--- a/Projektvorstellung/Poster.pptx
+++ b/Projektvorstellung/Poster.pptx
@@ -5,16 +5,13 @@
     <p:sldMasterId id="2147483651" r:id="rId1"/>
   </p:sldMasterIdLst>
   <p:notesMasterIdLst>
-    <p:notesMasterId r:id="rId6"/>
+    <p:notesMasterId r:id="rId3"/>
   </p:notesMasterIdLst>
   <p:handoutMasterIdLst>
-    <p:handoutMasterId r:id="rId7"/>
+    <p:handoutMasterId r:id="rId4"/>
   </p:handoutMasterIdLst>
   <p:sldIdLst>
-    <p:sldId id="336" r:id="rId2"/>
-    <p:sldId id="335" r:id="rId3"/>
-    <p:sldId id="333" r:id="rId4"/>
-    <p:sldId id="334" r:id="rId5"/>
+    <p:sldId id="338" r:id="rId2"/>
   </p:sldIdLst>
   <p:sldSz cx="12192000" cy="6858000"/>
   <p:notesSz cx="6797675" cy="9874250"/>
@@ -412,6 +409,7 @@
     </p:extLst>
   </p:cSld>
   <p:clrMap bg1="lt1" tx1="dk1" bg2="lt2" tx2="dk2" accent1="accent1" accent2="accent2" accent3="accent3" accent4="accent4" accent5="accent5" accent6="accent6" hlink="hlink" folHlink="folHlink"/>
+  <p:hf sldNum="0" hdr="0" ftr="0" dt="0"/>
 </p:handoutMaster>
 </file>
 
@@ -734,6 +732,7 @@
     </p:extLst>
   </p:cSld>
   <p:clrMap bg1="lt1" tx1="dk1" bg2="lt2" tx2="dk2" accent1="accent1" accent2="accent2" accent3="accent3" accent4="accent4" accent5="accent5" accent6="accent6" hlink="hlink" folHlink="folHlink"/>
+  <p:hf sldNum="0" hdr="0" ftr="0" dt="0"/>
   <p:notesStyle>
     <a:lvl1pPr algn="l" rtl="0" fontAlgn="base">
       <a:spcBef>
@@ -907,119 +906,10 @@
           </a:p>
         </p:txBody>
       </p:sp>
-      <p:sp>
-        <p:nvSpPr>
-          <p:cNvPr id="4" name="Slide Number Placeholder 3"/>
-          <p:cNvSpPr>
-            <a:spLocks noGrp="1"/>
-          </p:cNvSpPr>
-          <p:nvPr>
-            <p:ph type="sldNum" sz="quarter" idx="5"/>
-          </p:nvPr>
-        </p:nvSpPr>
-        <p:spPr/>
-        <p:txBody>
-          <a:bodyPr/>
-          <a:lstStyle/>
-          <a:p>
-            <a:fld id="{412C2970-D838-4E16-9F7E-5362C8D6E639}" type="slidenum">
-              <a:rPr lang="en-US" smtClean="0"/>
-              <a:pPr/>
-              <a:t>1</a:t>
-            </a:fld>
-            <a:endParaRPr lang="en-US"/>
-          </a:p>
-        </p:txBody>
-      </p:sp>
     </p:spTree>
     <p:extLst>
       <p:ext uri="{BB962C8B-B14F-4D97-AF65-F5344CB8AC3E}">
-        <p14:creationId xmlns:p14="http://schemas.microsoft.com/office/powerpoint/2010/main" val="1177539350"/>
-      </p:ext>
-    </p:extLst>
-  </p:cSld>
-  <p:clrMapOvr>
-    <a:masterClrMapping/>
-  </p:clrMapOvr>
-</p:notes>
-</file>
-
-<file path=ppt/notesSlides/notesSlide2.xml><?xml version="1.0" encoding="utf-8"?>
-<p:notes xmlns:a="http://schemas.openxmlformats.org/drawingml/2006/main" xmlns:r="http://schemas.openxmlformats.org/officeDocument/2006/relationships" xmlns:p="http://schemas.openxmlformats.org/presentationml/2006/main">
-  <p:cSld>
-    <p:spTree>
-      <p:nvGrpSpPr>
-        <p:cNvPr id="1" name=""/>
-        <p:cNvGrpSpPr/>
-        <p:nvPr/>
-      </p:nvGrpSpPr>
-      <p:grpSpPr>
-        <a:xfrm>
-          <a:off x="0" y="0"/>
-          <a:ext cx="0" cy="0"/>
-          <a:chOff x="0" y="0"/>
-          <a:chExt cx="0" cy="0"/>
-        </a:xfrm>
-      </p:grpSpPr>
-      <p:sp>
-        <p:nvSpPr>
-          <p:cNvPr id="2" name="Slide Image Placeholder 1"/>
-          <p:cNvSpPr>
-            <a:spLocks noGrp="1" noRot="1" noChangeAspect="1"/>
-          </p:cNvSpPr>
-          <p:nvPr>
-            <p:ph type="sldImg"/>
-          </p:nvPr>
-        </p:nvSpPr>
-        <p:spPr/>
-      </p:sp>
-      <p:sp>
-        <p:nvSpPr>
-          <p:cNvPr id="3" name="Notes Placeholder 2"/>
-          <p:cNvSpPr>
-            <a:spLocks noGrp="1"/>
-          </p:cNvSpPr>
-          <p:nvPr>
-            <p:ph type="body" idx="1"/>
-          </p:nvPr>
-        </p:nvSpPr>
-        <p:spPr/>
-        <p:txBody>
-          <a:bodyPr/>
-          <a:lstStyle/>
-          <a:p>
-            <a:endParaRPr lang="en-DE" dirty="0"/>
-          </a:p>
-        </p:txBody>
-      </p:sp>
-      <p:sp>
-        <p:nvSpPr>
-          <p:cNvPr id="4" name="Slide Number Placeholder 3"/>
-          <p:cNvSpPr>
-            <a:spLocks noGrp="1"/>
-          </p:cNvSpPr>
-          <p:nvPr>
-            <p:ph type="sldNum" sz="quarter" idx="5"/>
-          </p:nvPr>
-        </p:nvSpPr>
-        <p:spPr/>
-        <p:txBody>
-          <a:bodyPr/>
-          <a:lstStyle/>
-          <a:p>
-            <a:fld id="{412C2970-D838-4E16-9F7E-5362C8D6E639}" type="slidenum">
-              <a:rPr lang="en-US" smtClean="0"/>
-              <a:pPr/>
-              <a:t>2</a:t>
-            </a:fld>
-            <a:endParaRPr lang="en-US"/>
-          </a:p>
-        </p:txBody>
-      </p:sp>
-    </p:spTree>
-    <p:extLst>
-      <p:ext uri="{BB962C8B-B14F-4D97-AF65-F5344CB8AC3E}">
-        <p14:creationId xmlns:p14="http://schemas.microsoft.com/office/powerpoint/2010/main" val="683956139"/>
+        <p14:creationId xmlns:p14="http://schemas.microsoft.com/office/powerpoint/2010/main" val="2608803733"/>
       </p:ext>
     </p:extLst>
   </p:cSld>
@@ -2633,7 +2523,7 @@
 </file>
 
 <file path=ppt/slideLayouts/slideLayout6.xml><?xml version="1.0" encoding="utf-8"?>
-<p:sldLayout xmlns:a="http://schemas.openxmlformats.org/drawingml/2006/main" xmlns:r="http://schemas.openxmlformats.org/officeDocument/2006/relationships" xmlns:p="http://schemas.openxmlformats.org/presentationml/2006/main" type="twoTxTwoObj" preserve="1">
+<p:sldLayout xmlns:a="http://schemas.openxmlformats.org/drawingml/2006/main" xmlns:r="http://schemas.openxmlformats.org/officeDocument/2006/relationships" xmlns:p="http://schemas.openxmlformats.org/presentationml/2006/main" preserve="1" userDrawn="1">
   <p:cSld name="Vergleich">
     <p:spTree>
       <p:nvGrpSpPr>
@@ -2649,38 +2539,6 @@
           <a:chExt cx="0" cy="0"/>
         </a:xfrm>
       </p:grpSpPr>
-      <p:sp>
-        <p:nvSpPr>
-          <p:cNvPr id="2" name="Title 1"/>
-          <p:cNvSpPr>
-            <a:spLocks noGrp="1"/>
-          </p:cNvSpPr>
-          <p:nvPr>
-            <p:ph type="title"/>
-          </p:nvPr>
-        </p:nvSpPr>
-        <p:spPr>
-          <a:xfrm>
-            <a:off x="609600" y="274638"/>
-            <a:ext cx="10972800" cy="1143000"/>
-          </a:xfrm>
-        </p:spPr>
-        <p:txBody>
-          <a:bodyPr/>
-          <a:lstStyle>
-            <a:lvl1pPr>
-              <a:defRPr/>
-            </a:lvl1pPr>
-          </a:lstStyle>
-          <a:p>
-            <a:r>
-              <a:rPr lang="en-US"/>
-              <a:t>Click to edit Master title style</a:t>
-            </a:r>
-            <a:endParaRPr lang="de-DE"/>
-          </a:p>
-        </p:txBody>
-      </p:sp>
       <p:sp>
         <p:nvSpPr>
           <p:cNvPr id="3" name="Text Placeholder 2"/>
@@ -2978,6 +2836,35 @@
               <a:t>Fifth level</a:t>
             </a:r>
             <a:endParaRPr lang="de-DE" dirty="0"/>
+          </a:p>
+        </p:txBody>
+      </p:sp>
+      <p:sp>
+        <p:nvSpPr>
+          <p:cNvPr id="7" name="Titel 6">
+            <a:extLst>
+              <a:ext uri="{FF2B5EF4-FFF2-40B4-BE49-F238E27FC236}">
+                <a16:creationId xmlns:a16="http://schemas.microsoft.com/office/drawing/2014/main" id="{8B209B7F-DBDA-4A0C-BAF8-BDF7F86CB2A8}"/>
+              </a:ext>
+            </a:extLst>
+          </p:cNvPr>
+          <p:cNvSpPr>
+            <a:spLocks noGrp="1"/>
+          </p:cNvSpPr>
+          <p:nvPr>
+            <p:ph type="title"/>
+          </p:nvPr>
+        </p:nvSpPr>
+        <p:spPr/>
+        <p:txBody>
+          <a:bodyPr/>
+          <a:lstStyle/>
+          <a:p>
+            <a:r>
+              <a:rPr lang="de-DE"/>
+              <a:t>Mastertitelformat bearbeiten</a:t>
+            </a:r>
+            <a:endParaRPr lang="en-GB"/>
           </a:p>
         </p:txBody>
       </p:sp>
@@ -4312,62 +4199,57 @@
           <a:lstStyle/>
           <a:p>
             <a:r>
-              <a:rPr lang="de-DE" sz="2400" dirty="0"/>
-              <a:t>Design, Implementation </a:t>
-            </a:r>
-            <a:r>
-              <a:rPr lang="de-DE" sz="2400" dirty="0" err="1"/>
-              <a:t>and</a:t>
-            </a:r>
-            <a:r>
-              <a:rPr lang="de-DE" sz="2400" dirty="0"/>
+              <a:rPr lang="de-DE" sz="2000" dirty="0"/>
+              <a:t>Design, Implementation and </a:t>
+            </a:r>
+            <a:r>
+              <a:rPr lang="de-DE" sz="2000" dirty="0" err="1"/>
+              <a:t>evaluation</a:t>
+            </a:r>
+            <a:r>
+              <a:rPr lang="de-DE" sz="2000" dirty="0"/>
               <a:t> </a:t>
             </a:r>
             <a:r>
-              <a:rPr lang="de-DE" sz="2400" dirty="0" err="1"/>
-              <a:t>evaluation</a:t>
-            </a:r>
-            <a:r>
-              <a:rPr lang="de-DE" sz="2400" dirty="0"/>
+              <a:rPr lang="de-DE" sz="2000" dirty="0" err="1"/>
+              <a:t>of</a:t>
+            </a:r>
+            <a:r>
+              <a:rPr lang="de-DE" sz="2000" dirty="0"/>
+              <a:t> different </a:t>
+            </a:r>
+            <a:r>
+              <a:rPr lang="de-DE" sz="2000" dirty="0" err="1"/>
+              <a:t>strategies</a:t>
+            </a:r>
+            <a:r>
+              <a:rPr lang="de-DE" sz="2000" dirty="0"/>
               <a:t> </a:t>
             </a:r>
-            <a:r>
-              <a:rPr lang="de-DE" sz="2400" dirty="0" err="1"/>
-              <a:t>of</a:t>
-            </a:r>
-            <a:r>
-              <a:rPr lang="de-DE" sz="2400" dirty="0"/>
-              <a:t> different </a:t>
-            </a:r>
-            <a:r>
-              <a:rPr lang="de-DE" sz="2400" dirty="0" err="1"/>
-              <a:t>strategies</a:t>
-            </a:r>
-            <a:r>
-              <a:rPr lang="de-DE" sz="2400" dirty="0"/>
+            <a:br>
+              <a:rPr lang="de-DE" sz="2000" dirty="0"/>
+            </a:br>
+            <a:r>
+              <a:rPr lang="de-DE" sz="2000" dirty="0" err="1"/>
+              <a:t>for</a:t>
+            </a:r>
+            <a:r>
+              <a:rPr lang="de-DE" sz="2000" dirty="0"/>
               <a:t> </a:t>
             </a:r>
             <a:r>
-              <a:rPr lang="de-DE" sz="2400" dirty="0" err="1"/>
-              <a:t>for</a:t>
-            </a:r>
-            <a:r>
-              <a:rPr lang="de-DE" sz="2400" dirty="0"/>
-              <a:t> </a:t>
-            </a:r>
-            <a:r>
-              <a:rPr lang="de-DE" sz="2400" dirty="0" err="1"/>
+              <a:rPr lang="de-DE" sz="2000" dirty="0" err="1"/>
               <a:t>playing</a:t>
             </a:r>
             <a:r>
-              <a:rPr lang="de-DE" sz="2400" dirty="0"/>
+              <a:rPr lang="de-DE" sz="2000" dirty="0"/>
               <a:t> Pokémon </a:t>
             </a:r>
             <a:r>
-              <a:rPr lang="de-DE" sz="2400" dirty="0" err="1"/>
+              <a:rPr lang="de-DE" sz="2000" dirty="0" err="1"/>
               <a:t>battles</a:t>
             </a:r>
-            <a:endParaRPr lang="en-US" sz="2400" dirty="0"/>
+            <a:endParaRPr lang="en-US" sz="2000" dirty="0"/>
           </a:p>
         </p:txBody>
       </p:sp>
@@ -4385,16 +4267,15 @@
           </p:cNvPicPr>
           <p:nvPr/>
         </p:nvPicPr>
-        <p:blipFill>
+        <p:blipFill rotWithShape="1">
           <a:blip r:embed="rId3"/>
-          <a:stretch>
-            <a:fillRect/>
-          </a:stretch>
+          <a:srcRect l="1" t="-17" r="1523" b="16"/>
+          <a:stretch/>
         </p:blipFill>
         <p:spPr>
           <a:xfrm>
-            <a:off x="118316" y="885618"/>
-            <a:ext cx="2924536" cy="2772848"/>
+            <a:off x="115473" y="886466"/>
+            <a:ext cx="2919472" cy="2772000"/>
           </a:xfrm>
           <a:prstGeom prst="roundRect">
             <a:avLst>
@@ -4402,7 +4283,9 @@
             </a:avLst>
           </a:prstGeom>
           <a:ln>
-            <a:noFill/>
+            <a:solidFill>
+              <a:schemeClr val="bg2"/>
+            </a:solidFill>
           </a:ln>
           <a:effectLst>
             <a:outerShdw blurRad="76200" dist="38100" dir="7800000" algn="tl" rotWithShape="0">
@@ -4425,124 +4308,237 @@
           </a:sp3d>
         </p:spPr>
       </p:pic>
-      <p:sp>
-        <p:nvSpPr>
-          <p:cNvPr id="4" name="Rechteck: abgerundete Ecken 3">
-            <a:extLst>
-              <a:ext uri="{FF2B5EF4-FFF2-40B4-BE49-F238E27FC236}">
-                <a16:creationId xmlns:a16="http://schemas.microsoft.com/office/drawing/2014/main" id="{6B893643-E1A4-45DD-8A58-901A0097C886}"/>
-              </a:ext>
-            </a:extLst>
-          </p:cNvPr>
-          <p:cNvSpPr/>
-          <p:nvPr/>
-        </p:nvSpPr>
-        <p:spPr bwMode="auto">
-          <a:xfrm>
-            <a:off x="3165328" y="885618"/>
-            <a:ext cx="2808196" cy="2772848"/>
-          </a:xfrm>
-          <a:prstGeom prst="roundRect">
-            <a:avLst/>
-          </a:prstGeom>
-          <a:ln>
-            <a:headEnd type="none" w="sm" len="sm"/>
-            <a:tailEnd type="none" w="sm" len="sm"/>
-          </a:ln>
-        </p:spPr>
-        <p:style>
-          <a:lnRef idx="1">
-            <a:schemeClr val="accent1"/>
-          </a:lnRef>
-          <a:fillRef idx="2">
-            <a:schemeClr val="accent1"/>
-          </a:fillRef>
-          <a:effectRef idx="1">
-            <a:schemeClr val="accent1"/>
-          </a:effectRef>
-          <a:fontRef idx="minor">
-            <a:schemeClr val="dk1"/>
-          </a:fontRef>
-        </p:style>
-        <p:txBody>
-          <a:bodyPr vert="horz" wrap="square" lIns="91440" tIns="45720" rIns="91440" bIns="45720" numCol="1" rtlCol="0" anchor="t" anchorCtr="0" compatLnSpc="1">
-            <a:prstTxWarp prst="textNoShape">
-              <a:avLst/>
-            </a:prstTxWarp>
-          </a:bodyPr>
-          <a:lstStyle/>
-          <a:p>
-            <a:r>
-              <a:rPr lang="de-DE" sz="1600" dirty="0">
-                <a:latin typeface="+mn-lt"/>
-              </a:rPr>
-              <a:t>Spieltheoretische Einordnung</a:t>
-            </a:r>
-            <a:endParaRPr lang="en-DE" dirty="0">
-              <a:latin typeface="+mn-lt"/>
-            </a:endParaRPr>
-          </a:p>
-          <a:p>
-            <a:pPr marL="285750" indent="-285750">
-              <a:buFont typeface="Wingdings" pitchFamily="2" charset="2"/>
-              <a:buChar char="Ø"/>
-            </a:pPr>
-            <a:r>
-              <a:rPr lang="en-DE" sz="1600" b="0" dirty="0">
-                <a:latin typeface="+mn-lt"/>
-              </a:rPr>
-              <a:t>Zwei Spieler </a:t>
-            </a:r>
-          </a:p>
-          <a:p>
-            <a:pPr marL="285750" indent="-285750">
-              <a:buFont typeface="Wingdings" pitchFamily="2" charset="2"/>
-              <a:buChar char="Ø"/>
-            </a:pPr>
-            <a:r>
-              <a:rPr lang="en-DE" sz="1600" b="0" dirty="0">
-                <a:latin typeface="+mn-lt"/>
-              </a:rPr>
-              <a:t>Unvollständige Information</a:t>
-            </a:r>
-          </a:p>
-          <a:p>
-            <a:pPr marL="285750" indent="-285750">
-              <a:buFont typeface="Wingdings" pitchFamily="2" charset="2"/>
-              <a:buChar char="Ø"/>
-            </a:pPr>
-            <a:r>
-              <a:rPr lang="de-DE" sz="1600" b="0" dirty="0">
-                <a:latin typeface="+mn-lt"/>
-              </a:rPr>
-              <a:t>Zufällige </a:t>
-            </a:r>
-            <a:r>
-              <a:rPr lang="de-DE" sz="1600" b="0" dirty="0"/>
-              <a:t>T</a:t>
-            </a:r>
-            <a:r>
-              <a:rPr lang="de-DE" sz="1600" b="0" dirty="0">
-                <a:latin typeface="+mn-lt"/>
-              </a:rPr>
-              <a:t>eams</a:t>
-            </a:r>
-          </a:p>
-          <a:p>
-            <a:pPr marL="285750" indent="-285750">
-              <a:buFont typeface="Wingdings" pitchFamily="2" charset="2"/>
-              <a:buChar char="Ø"/>
-            </a:pPr>
-            <a:r>
-              <a:rPr lang="de-DE" sz="1600" b="0" dirty="0"/>
-              <a:t>Menge an Zuständen: Mehr als 3 (TODO)</a:t>
-            </a:r>
-            <a:endParaRPr lang="de-DE" sz="1600" b="0" dirty="0">
-              <a:latin typeface="+mn-lt"/>
-            </a:endParaRPr>
-          </a:p>
-        </p:txBody>
-      </p:sp>
+      <mc:AlternateContent xmlns:mc="http://schemas.openxmlformats.org/markup-compatibility/2006" xmlns:a14="http://schemas.microsoft.com/office/drawing/2010/main">
+        <mc:Choice Requires="a14">
+          <p:sp>
+            <p:nvSpPr>
+              <p:cNvPr id="4" name="Rechteck: abgerundete Ecken 3">
+                <a:extLst>
+                  <a:ext uri="{FF2B5EF4-FFF2-40B4-BE49-F238E27FC236}">
+                    <a16:creationId xmlns:a16="http://schemas.microsoft.com/office/drawing/2014/main" id="{6B893643-E1A4-45DD-8A58-901A0097C886}"/>
+                  </a:ext>
+                </a:extLst>
+              </p:cNvPr>
+              <p:cNvSpPr/>
+              <p:nvPr/>
+            </p:nvSpPr>
+            <p:spPr bwMode="auto">
+              <a:xfrm>
+                <a:off x="3255055" y="885618"/>
+                <a:ext cx="2676308" cy="2772848"/>
+              </a:xfrm>
+              <a:prstGeom prst="roundRect">
+                <a:avLst/>
+              </a:prstGeom>
+              <a:ln>
+                <a:headEnd type="none" w="sm" len="sm"/>
+                <a:tailEnd type="none" w="sm" len="sm"/>
+              </a:ln>
+            </p:spPr>
+            <p:style>
+              <a:lnRef idx="1">
+                <a:schemeClr val="accent1"/>
+              </a:lnRef>
+              <a:fillRef idx="2">
+                <a:schemeClr val="accent1"/>
+              </a:fillRef>
+              <a:effectRef idx="1">
+                <a:schemeClr val="accent1"/>
+              </a:effectRef>
+              <a:fontRef idx="minor">
+                <a:schemeClr val="dk1"/>
+              </a:fontRef>
+            </p:style>
+            <p:txBody>
+              <a:bodyPr vert="horz" wrap="square" lIns="91440" tIns="45720" rIns="91440" bIns="45720" numCol="1" rtlCol="0" anchor="t" anchorCtr="0" compatLnSpc="1">
+                <a:prstTxWarp prst="textNoShape">
+                  <a:avLst/>
+                </a:prstTxWarp>
+              </a:bodyPr>
+              <a:lstStyle/>
+              <a:p>
+                <a:r>
+                  <a:rPr lang="de-DE" sz="1600" dirty="0">
+                    <a:latin typeface="+mn-lt"/>
+                  </a:rPr>
+                  <a:t>Spieltheoretische Einordnung</a:t>
+                </a:r>
+                <a:endParaRPr lang="en-DE" dirty="0">
+                  <a:latin typeface="+mn-lt"/>
+                </a:endParaRPr>
+              </a:p>
+              <a:p>
+                <a:pPr marL="285750" indent="-285750">
+                  <a:buFont typeface="Wingdings" pitchFamily="2" charset="2"/>
+                  <a:buChar char="Ø"/>
+                </a:pPr>
+                <a:r>
+                  <a:rPr lang="en-DE" sz="1600" b="0" dirty="0">
+                    <a:latin typeface="+mn-lt"/>
+                  </a:rPr>
+                  <a:t>Zwei Spieler </a:t>
+                </a:r>
+              </a:p>
+              <a:p>
+                <a:pPr marL="285750" indent="-285750">
+                  <a:buFont typeface="Wingdings" pitchFamily="2" charset="2"/>
+                  <a:buChar char="Ø"/>
+                </a:pPr>
+                <a:r>
+                  <a:rPr lang="en-DE" sz="1600" b="0" dirty="0">
+                    <a:latin typeface="+mn-lt"/>
+                  </a:rPr>
+                  <a:t>Unvollständige Information</a:t>
+                </a:r>
+              </a:p>
+              <a:p>
+                <a:pPr marL="285750" indent="-285750">
+                  <a:buFont typeface="Wingdings" pitchFamily="2" charset="2"/>
+                  <a:buChar char="Ø"/>
+                </a:pPr>
+                <a:r>
+                  <a:rPr lang="de-DE" sz="1600" b="0" dirty="0">
+                    <a:latin typeface="+mn-lt"/>
+                  </a:rPr>
+                  <a:t>Zufällige </a:t>
+                </a:r>
+                <a:r>
+                  <a:rPr lang="de-DE" sz="1600" b="0" dirty="0"/>
+                  <a:t>T</a:t>
+                </a:r>
+                <a:r>
+                  <a:rPr lang="de-DE" sz="1600" b="0" dirty="0">
+                    <a:latin typeface="+mn-lt"/>
+                  </a:rPr>
+                  <a:t>eams</a:t>
+                </a:r>
+              </a:p>
+              <a:p>
+                <a:pPr marL="285750" indent="-285750">
+                  <a:buFont typeface="Wingdings" pitchFamily="2" charset="2"/>
+                  <a:buChar char="Ø"/>
+                </a:pPr>
+                <a:r>
+                  <a:rPr lang="de-DE" sz="1600" b="0" dirty="0"/>
+                  <a:t>Anzahl von Zuständen: </a:t>
+                </a:r>
+                <a:endParaRPr lang="de-DE" sz="1600" b="0" i="0" dirty="0">
+                  <a:latin typeface="Cambria Math" panose="02040503050406030204" pitchFamily="18" charset="0"/>
+                </a:endParaRPr>
+              </a:p>
+              <a:p>
+                <a:pPr lvl="1"/>
+                <a14:m>
+                  <m:oMathPara xmlns:m="http://schemas.openxmlformats.org/officeDocument/2006/math">
+                    <m:oMathParaPr>
+                      <m:jc m:val="centerGroup"/>
+                    </m:oMathParaPr>
+                    <m:oMath xmlns:m="http://schemas.openxmlformats.org/officeDocument/2006/math">
+                      <m:r>
+                        <a:rPr lang="de-DE" sz="1600" b="0" i="0" smtClean="0">
+                          <a:latin typeface="Cambria Math" panose="02040503050406030204" pitchFamily="18" charset="0"/>
+                        </a:rPr>
+                        <m:t>1.5</m:t>
+                      </m:r>
+                      <m:r>
+                        <a:rPr lang="de-DE" sz="1600" b="0" i="1" smtClean="0">
+                          <a:latin typeface="Cambria Math" panose="02040503050406030204" pitchFamily="18" charset="0"/>
+                        </a:rPr>
+                        <m:t>×</m:t>
+                      </m:r>
+                      <m:sSup>
+                        <m:sSupPr>
+                          <m:ctrlPr>
+                            <a:rPr lang="de-DE" sz="1600" b="0" i="1" smtClean="0">
+                              <a:latin typeface="Cambria Math" panose="02040503050406030204" pitchFamily="18" charset="0"/>
+                            </a:rPr>
+                          </m:ctrlPr>
+                        </m:sSupPr>
+                        <m:e>
+                          <m:r>
+                            <a:rPr lang="de-DE" sz="1600" b="0" i="1" smtClean="0">
+                              <a:latin typeface="Cambria Math" panose="02040503050406030204" pitchFamily="18" charset="0"/>
+                            </a:rPr>
+                            <m:t>10</m:t>
+                          </m:r>
+                        </m:e>
+                        <m:sup>
+                          <m:r>
+                            <a:rPr lang="de-DE" sz="1600" b="0" i="1" smtClean="0">
+                              <a:latin typeface="Cambria Math" panose="02040503050406030204" pitchFamily="18" charset="0"/>
+                            </a:rPr>
+                            <m:t>39</m:t>
+                          </m:r>
+                        </m:sup>
+                      </m:sSup>
+                    </m:oMath>
+                  </m:oMathPara>
+                </a14:m>
+                <a:endParaRPr lang="de-DE" sz="1600" b="0" i="1" dirty="0">
+                  <a:latin typeface="Cambria Math" panose="02040503050406030204" pitchFamily="18" charset="0"/>
+                </a:endParaRPr>
+              </a:p>
+              <a:p>
+                <a:pPr marL="285750" indent="-285750">
+                  <a:buFont typeface="Wingdings" pitchFamily="2" charset="2"/>
+                  <a:buChar char="Ø"/>
+                </a:pPr>
+                <a:endParaRPr lang="de-DE" sz="1600" b="0" dirty="0">
+                  <a:latin typeface="+mn-lt"/>
+                </a:endParaRPr>
+              </a:p>
+            </p:txBody>
+          </p:sp>
+        </mc:Choice>
+        <mc:Fallback xmlns="">
+          <p:sp>
+            <p:nvSpPr>
+              <p:cNvPr id="4" name="Rechteck: abgerundete Ecken 3">
+                <a:extLst>
+                  <a:ext uri="{FF2B5EF4-FFF2-40B4-BE49-F238E27FC236}">
+                    <a16:creationId xmlns:a16="http://schemas.microsoft.com/office/drawing/2014/main" id="{6B893643-E1A4-45DD-8A58-901A0097C886}"/>
+                  </a:ext>
+                </a:extLst>
+              </p:cNvPr>
+              <p:cNvSpPr>
+                <a:spLocks noRot="1" noChangeAspect="1" noMove="1" noResize="1" noEditPoints="1" noAdjustHandles="1" noChangeArrowheads="1" noChangeShapeType="1" noTextEdit="1"/>
+              </p:cNvSpPr>
+              <p:nvPr/>
+            </p:nvSpPr>
+            <p:spPr bwMode="auto">
+              <a:xfrm>
+                <a:off x="3255055" y="885618"/>
+                <a:ext cx="2676308" cy="2772848"/>
+              </a:xfrm>
+              <a:prstGeom prst="roundRect">
+                <a:avLst/>
+              </a:prstGeom>
+              <a:blipFill>
+                <a:blip r:embed="rId4"/>
+                <a:stretch>
+                  <a:fillRect/>
+                </a:stretch>
+              </a:blipFill>
+              <a:ln>
+                <a:headEnd type="none" w="sm" len="sm"/>
+                <a:tailEnd type="none" w="sm" len="sm"/>
+              </a:ln>
+            </p:spPr>
+            <p:txBody>
+              <a:bodyPr/>
+              <a:lstStyle/>
+              <a:p>
+                <a:r>
+                  <a:rPr lang="en-GB">
+                    <a:noFill/>
+                  </a:rPr>
+                  <a:t> </a:t>
+                </a:r>
+              </a:p>
+            </p:txBody>
+          </p:sp>
+        </mc:Fallback>
+      </mc:AlternateContent>
       <p:sp>
         <p:nvSpPr>
           <p:cNvPr id="17" name="Rechteck: abgerundete Ecken 16">
@@ -4557,13 +4553,16 @@
         </p:nvSpPr>
         <p:spPr bwMode="auto">
           <a:xfrm>
-            <a:off x="70687" y="3857550"/>
-            <a:ext cx="2972165" cy="2223938"/>
+            <a:off x="115473" y="3857550"/>
+            <a:ext cx="3003730" cy="2223938"/>
           </a:xfrm>
           <a:prstGeom prst="roundRect">
             <a:avLst/>
           </a:prstGeom>
           <a:ln>
+            <a:solidFill>
+              <a:schemeClr val="bg2"/>
+            </a:solidFill>
             <a:headEnd type="none" w="sm" len="sm"/>
             <a:tailEnd type="none" w="sm" len="sm"/>
           </a:ln>
@@ -4746,8 +4745,8 @@
         </p:nvSpPr>
         <p:spPr bwMode="auto">
           <a:xfrm>
-            <a:off x="6274903" y="885618"/>
-            <a:ext cx="3025452" cy="5119168"/>
+            <a:off x="6274903" y="885617"/>
+            <a:ext cx="3025452" cy="5209599"/>
           </a:xfrm>
           <a:prstGeom prst="roundRect">
             <a:avLst/>
@@ -4790,7 +4789,7 @@
           <a:p>
             <a:pPr marL="285750" indent="-285750">
               <a:buFont typeface="Wingdings" panose="05000000000000000000" pitchFamily="2" charset="2"/>
-              <a:buChar char="§"/>
+              <a:buChar char="Ø"/>
             </a:pPr>
             <a:r>
               <a:rPr lang="de-DE" sz="1600" b="0" dirty="0">
@@ -4818,7 +4817,7 @@
         </p:nvSpPr>
         <p:spPr bwMode="auto">
           <a:xfrm>
-            <a:off x="6528048" y="1700807"/>
+            <a:off x="6495013" y="1704527"/>
             <a:ext cx="2585232" cy="2146735"/>
           </a:xfrm>
           <a:prstGeom prst="roundRect">
@@ -4866,8 +4865,8 @@
           </a:p>
           <a:p>
             <a:pPr marL="285750" indent="-285750">
-              <a:buFontTx/>
-              <a:buChar char="-"/>
+              <a:buFont typeface="Wingdings" panose="05000000000000000000" pitchFamily="2" charset="2"/>
+              <a:buChar char="Ø"/>
             </a:pPr>
             <a:r>
               <a:rPr lang="en-DE" sz="1600" b="0" dirty="0">
@@ -4878,20 +4877,32 @@
           </a:p>
           <a:p>
             <a:pPr marL="285750" indent="-285750">
-              <a:buFontTx/>
-              <a:buChar char="-"/>
+              <a:buFont typeface="Wingdings" panose="05000000000000000000" pitchFamily="2" charset="2"/>
+              <a:buChar char="Ø"/>
             </a:pPr>
             <a:r>
               <a:rPr lang="en-DE" sz="1600" b="0" dirty="0">
                 <a:latin typeface="+mn-lt"/>
               </a:rPr>
-              <a:t>Informationen gewinnen</a:t>
+              <a:t>Informationen</a:t>
+            </a:r>
+            <a:r>
+              <a:rPr lang="en-DE" sz="1600" dirty="0">
+                <a:latin typeface="+mn-lt"/>
+              </a:rPr>
+              <a:t> </a:t>
+            </a:r>
+            <a:r>
+              <a:rPr lang="en-DE" sz="1600" b="0" dirty="0">
+                <a:latin typeface="+mn-lt"/>
+              </a:rPr>
+              <a:t>gewinnen</a:t>
             </a:r>
           </a:p>
           <a:p>
             <a:pPr marL="285750" indent="-285750">
-              <a:buFontTx/>
-              <a:buChar char="-"/>
+              <a:buFont typeface="Wingdings" panose="05000000000000000000" pitchFamily="2" charset="2"/>
+              <a:buChar char="Ø"/>
             </a:pPr>
             <a:r>
               <a:rPr lang="en-DE" sz="1600" b="0" dirty="0">
@@ -4902,8 +4913,8 @@
           </a:p>
           <a:p>
             <a:pPr marL="742950" lvl="1" indent="-285750">
-              <a:buFontTx/>
-              <a:buChar char="-"/>
+              <a:buFont typeface="Wingdings" panose="05000000000000000000" pitchFamily="2" charset="2"/>
+              <a:buChar char="Ø"/>
             </a:pPr>
             <a:r>
               <a:rPr lang="en-DE" sz="1600" b="0" dirty="0">
@@ -4928,7 +4939,7 @@
         </p:nvSpPr>
         <p:spPr bwMode="auto">
           <a:xfrm>
-            <a:off x="6520992" y="4149080"/>
+            <a:off x="6491485" y="4135936"/>
             <a:ext cx="2592288" cy="1584176"/>
           </a:xfrm>
           <a:prstGeom prst="roundRect">
@@ -4976,27 +4987,36 @@
           </a:p>
           <a:p>
             <a:pPr marL="285750" indent="-285750">
-              <a:buFontTx/>
-              <a:buChar char="-"/>
+              <a:buFont typeface="Wingdings" panose="05000000000000000000" pitchFamily="2" charset="2"/>
+              <a:buChar char="Ø"/>
             </a:pPr>
+            <a:r>
+              <a:rPr lang="de-DE" sz="1600" b="0" dirty="0">
+                <a:latin typeface="+mn-lt"/>
+              </a:rPr>
+              <a:t>Solider</a:t>
+            </a:r>
             <a:r>
               <a:rPr lang="en-DE" sz="1600" b="0" dirty="0">
                 <a:latin typeface="+mn-lt"/>
               </a:rPr>
-              <a:t>Solid Matchplan</a:t>
+              <a:t> Matchplan</a:t>
             </a:r>
           </a:p>
           <a:p>
             <a:pPr marL="285750" indent="-285750">
-              <a:buFontTx/>
-              <a:buChar char="-"/>
+              <a:buFont typeface="Wingdings" panose="05000000000000000000" pitchFamily="2" charset="2"/>
+              <a:buChar char="Ø"/>
             </a:pPr>
             <a:r>
-              <a:rPr lang="en-DE" sz="1600" b="0" dirty="0">
+              <a:rPr lang="de-DE" sz="1600" b="0" dirty="0">
                 <a:latin typeface="+mn-lt"/>
               </a:rPr>
-              <a:t>How to defeat what enemy</a:t>
-            </a:r>
+              <a:t>Welcher Gegner kann wie besiegt werden?</a:t>
+            </a:r>
+            <a:endParaRPr lang="en-DE" sz="1600" b="0" dirty="0">
+              <a:latin typeface="+mn-lt"/>
+            </a:endParaRPr>
           </a:p>
         </p:txBody>
       </p:sp>
@@ -5015,21 +5035,20 @@
           <p:nvPr/>
         </p:nvPicPr>
         <p:blipFill>
-          <a:blip r:embed="rId4" cstate="print">
+          <a:blip r:embed="rId5" cstate="print">
             <a:extLst>
               <a:ext uri="{28A0092B-C50C-407E-A947-70E740481C1C}">
                 <a14:useLocalDpi xmlns:a14="http://schemas.microsoft.com/office/drawing/2010/main" val="0"/>
               </a:ext>
             </a:extLst>
           </a:blip>
-          <a:stretch>
-            <a:fillRect/>
-          </a:stretch>
+          <a:srcRect/>
+          <a:stretch/>
         </p:blipFill>
         <p:spPr>
           <a:xfrm>
-            <a:off x="9479257" y="1052736"/>
-            <a:ext cx="2644334" cy="1983251"/>
+            <a:off x="9472740" y="885617"/>
+            <a:ext cx="2571888" cy="1967319"/>
           </a:xfrm>
           <a:prstGeom prst="roundRect">
             <a:avLst>
@@ -5037,7 +5056,9 @@
             </a:avLst>
           </a:prstGeom>
           <a:ln>
-            <a:noFill/>
+            <a:solidFill>
+              <a:schemeClr val="bg2"/>
+            </a:solidFill>
           </a:ln>
           <a:effectLst>
             <a:outerShdw blurRad="76200" dist="38100" dir="7800000" algn="tl" rotWithShape="0">
@@ -5074,13 +5095,16 @@
         </p:nvSpPr>
         <p:spPr bwMode="auto">
           <a:xfrm>
-            <a:off x="3252796" y="3847542"/>
+            <a:off x="3298105" y="3851262"/>
             <a:ext cx="2633260" cy="2243955"/>
           </a:xfrm>
           <a:prstGeom prst="roundRect">
             <a:avLst/>
           </a:prstGeom>
           <a:ln>
+            <a:solidFill>
+              <a:schemeClr val="bg2"/>
+            </a:solidFill>
             <a:headEnd type="none" w="sm" len="sm"/>
             <a:tailEnd type="none" w="sm" len="sm"/>
           </a:ln>
@@ -5167,21 +5191,21 @@
           </p:cNvPicPr>
           <p:nvPr/>
         </p:nvPicPr>
-        <p:blipFill>
-          <a:blip r:embed="rId5">
+        <p:blipFill rotWithShape="1">
+          <a:blip r:embed="rId6">
             <a:extLst>
               <a:ext uri="{28A0092B-C50C-407E-A947-70E740481C1C}">
                 <a14:useLocalDpi xmlns:a14="http://schemas.microsoft.com/office/drawing/2010/main" val="0"/>
               </a:ext>
             </a:extLst>
           </a:blip>
-          <a:srcRect/>
+          <a:srcRect l="250" t="338" r="250" b="338"/>
           <a:stretch/>
         </p:blipFill>
         <p:spPr>
           <a:xfrm>
-            <a:off x="9476583" y="3212976"/>
-            <a:ext cx="2639950" cy="2707474"/>
+            <a:off x="9472740" y="3189873"/>
+            <a:ext cx="2614857" cy="2891615"/>
           </a:xfrm>
           <a:prstGeom prst="roundRect">
             <a:avLst>
@@ -5189,7 +5213,9 @@
             </a:avLst>
           </a:prstGeom>
           <a:ln>
-            <a:noFill/>
+            <a:solidFill>
+              <a:schemeClr val="bg2"/>
+            </a:solidFill>
           </a:ln>
           <a:effectLst>
             <a:outerShdw blurRad="76200" dist="38100" dir="7800000" algn="tl" rotWithShape="0">
@@ -5215,1785 +5241,7 @@
     </p:spTree>
     <p:extLst>
       <p:ext uri="{BB962C8B-B14F-4D97-AF65-F5344CB8AC3E}">
-        <p14:creationId xmlns:p14="http://schemas.microsoft.com/office/powerpoint/2010/main" val="875949631"/>
-      </p:ext>
-    </p:extLst>
-  </p:cSld>
-  <p:clrMapOvr>
-    <a:masterClrMapping/>
-  </p:clrMapOvr>
-</p:sld>
-</file>
-
-<file path=ppt/slides/slide2.xml><?xml version="1.0" encoding="utf-8"?>
-<p:sld xmlns:a="http://schemas.openxmlformats.org/drawingml/2006/main" xmlns:r="http://schemas.openxmlformats.org/officeDocument/2006/relationships" xmlns:p="http://schemas.openxmlformats.org/presentationml/2006/main">
-  <p:cSld>
-    <p:bg>
-      <p:bgPr>
-        <a:gradFill flip="none" rotWithShape="1">
-          <a:gsLst>
-            <a:gs pos="90000">
-              <a:schemeClr val="accent1">
-                <a:lumMod val="5000"/>
-                <a:lumOff val="95000"/>
-              </a:schemeClr>
-            </a:gs>
-            <a:gs pos="99000">
-              <a:schemeClr val="accent1">
-                <a:lumMod val="20000"/>
-                <a:lumOff val="80000"/>
-              </a:schemeClr>
-            </a:gs>
-            <a:gs pos="100000">
-              <a:schemeClr val="accent1">
-                <a:lumMod val="45000"/>
-                <a:lumOff val="55000"/>
-              </a:schemeClr>
-            </a:gs>
-            <a:gs pos="100000">
-              <a:schemeClr val="accent1">
-                <a:lumMod val="30000"/>
-                <a:lumOff val="70000"/>
-              </a:schemeClr>
-            </a:gs>
-          </a:gsLst>
-          <a:lin ang="2700000" scaled="1"/>
-          <a:tileRect/>
-        </a:gradFill>
-        <a:effectLst/>
-      </p:bgPr>
-    </p:bg>
-    <p:spTree>
-      <p:nvGrpSpPr>
-        <p:cNvPr id="1" name=""/>
-        <p:cNvGrpSpPr/>
-        <p:nvPr/>
-      </p:nvGrpSpPr>
-      <p:grpSpPr>
-        <a:xfrm>
-          <a:off x="0" y="0"/>
-          <a:ext cx="0" cy="0"/>
-          <a:chOff x="0" y="0"/>
-          <a:chExt cx="0" cy="0"/>
-        </a:xfrm>
-      </p:grpSpPr>
-      <p:sp>
-        <p:nvSpPr>
-          <p:cNvPr id="7" name="Title 6"/>
-          <p:cNvSpPr>
-            <a:spLocks noGrp="1"/>
-          </p:cNvSpPr>
-          <p:nvPr>
-            <p:ph type="title"/>
-          </p:nvPr>
-        </p:nvSpPr>
-        <p:spPr>
-          <a:xfrm>
-            <a:off x="719670" y="188640"/>
-            <a:ext cx="10657417" cy="360040"/>
-          </a:xfrm>
-        </p:spPr>
-        <p:txBody>
-          <a:bodyPr/>
-          <a:lstStyle/>
-          <a:p>
-            <a:r>
-              <a:rPr lang="de-DE" sz="2400" dirty="0"/>
-              <a:t>Design, Implementation </a:t>
-            </a:r>
-            <a:r>
-              <a:rPr lang="de-DE" sz="2400" dirty="0" err="1"/>
-              <a:t>and</a:t>
-            </a:r>
-            <a:r>
-              <a:rPr lang="de-DE" sz="2400" dirty="0"/>
-              <a:t> </a:t>
-            </a:r>
-            <a:r>
-              <a:rPr lang="de-DE" sz="2400" dirty="0" err="1"/>
-              <a:t>evaluation</a:t>
-            </a:r>
-            <a:r>
-              <a:rPr lang="de-DE" sz="2400" dirty="0"/>
-              <a:t> </a:t>
-            </a:r>
-            <a:r>
-              <a:rPr lang="de-DE" sz="2400" dirty="0" err="1"/>
-              <a:t>of</a:t>
-            </a:r>
-            <a:r>
-              <a:rPr lang="de-DE" sz="2400" dirty="0"/>
-              <a:t> different </a:t>
-            </a:r>
-            <a:r>
-              <a:rPr lang="de-DE" sz="2400" dirty="0" err="1"/>
-              <a:t>strategies</a:t>
-            </a:r>
-            <a:r>
-              <a:rPr lang="de-DE" sz="2400" dirty="0"/>
-              <a:t> </a:t>
-            </a:r>
-            <a:r>
-              <a:rPr lang="de-DE" sz="2400" dirty="0" err="1"/>
-              <a:t>for</a:t>
-            </a:r>
-            <a:r>
-              <a:rPr lang="de-DE" sz="2400" dirty="0"/>
-              <a:t> </a:t>
-            </a:r>
-            <a:r>
-              <a:rPr lang="de-DE" sz="2400" dirty="0" err="1"/>
-              <a:t>playing</a:t>
-            </a:r>
-            <a:r>
-              <a:rPr lang="de-DE" sz="2400" dirty="0"/>
-              <a:t> Pokémon </a:t>
-            </a:r>
-            <a:r>
-              <a:rPr lang="de-DE" sz="2400" dirty="0" err="1"/>
-              <a:t>battles</a:t>
-            </a:r>
-            <a:endParaRPr lang="en-US" sz="2400" dirty="0"/>
-          </a:p>
-        </p:txBody>
-      </p:sp>
-      <p:pic>
-        <p:nvPicPr>
-          <p:cNvPr id="3" name="Grafik 2">
-            <a:extLst>
-              <a:ext uri="{FF2B5EF4-FFF2-40B4-BE49-F238E27FC236}">
-                <a16:creationId xmlns:a16="http://schemas.microsoft.com/office/drawing/2014/main" id="{C8E84639-5431-46BF-AFAB-CB1682DBCDC5}"/>
-              </a:ext>
-            </a:extLst>
-          </p:cNvPr>
-          <p:cNvPicPr>
-            <a:picLocks noChangeAspect="1"/>
-          </p:cNvPicPr>
-          <p:nvPr/>
-        </p:nvPicPr>
-        <p:blipFill>
-          <a:blip r:embed="rId3"/>
-          <a:stretch>
-            <a:fillRect/>
-          </a:stretch>
-        </p:blipFill>
-        <p:spPr>
-          <a:xfrm>
-            <a:off x="150354" y="900033"/>
-            <a:ext cx="2924536" cy="2772848"/>
-          </a:xfrm>
-          <a:prstGeom prst="roundRect">
-            <a:avLst>
-              <a:gd name="adj" fmla="val 16667"/>
-            </a:avLst>
-          </a:prstGeom>
-          <a:ln>
-            <a:noFill/>
-          </a:ln>
-          <a:effectLst>
-            <a:outerShdw blurRad="76200" dist="38100" dir="7800000" algn="tl" rotWithShape="0">
-              <a:srgbClr val="000000">
-                <a:alpha val="40000"/>
-              </a:srgbClr>
-            </a:outerShdw>
-          </a:effectLst>
-          <a:scene3d>
-            <a:camera prst="orthographicFront"/>
-            <a:lightRig rig="contrasting" dir="t">
-              <a:rot lat="0" lon="0" rev="4200000"/>
-            </a:lightRig>
-          </a:scene3d>
-          <a:sp3d prstMaterial="plastic">
-            <a:bevelT w="381000" h="114300" prst="relaxedInset"/>
-            <a:contourClr>
-              <a:srgbClr val="969696"/>
-            </a:contourClr>
-          </a:sp3d>
-        </p:spPr>
-      </p:pic>
-      <p:sp>
-        <p:nvSpPr>
-          <p:cNvPr id="4" name="Rechteck: abgerundete Ecken 3">
-            <a:extLst>
-              <a:ext uri="{FF2B5EF4-FFF2-40B4-BE49-F238E27FC236}">
-                <a16:creationId xmlns:a16="http://schemas.microsoft.com/office/drawing/2014/main" id="{6B893643-E1A4-45DD-8A58-901A0097C886}"/>
-              </a:ext>
-            </a:extLst>
-          </p:cNvPr>
-          <p:cNvSpPr/>
-          <p:nvPr/>
-        </p:nvSpPr>
-        <p:spPr bwMode="auto">
-          <a:xfrm>
-            <a:off x="3289796" y="885618"/>
-            <a:ext cx="2705286" cy="2772848"/>
-          </a:xfrm>
-          <a:prstGeom prst="roundRect">
-            <a:avLst/>
-          </a:prstGeom>
-          <a:ln>
-            <a:headEnd type="none" w="sm" len="sm"/>
-            <a:tailEnd type="none" w="sm" len="sm"/>
-          </a:ln>
-        </p:spPr>
-        <p:style>
-          <a:lnRef idx="1">
-            <a:schemeClr val="accent1"/>
-          </a:lnRef>
-          <a:fillRef idx="2">
-            <a:schemeClr val="accent1"/>
-          </a:fillRef>
-          <a:effectRef idx="1">
-            <a:schemeClr val="accent1"/>
-          </a:effectRef>
-          <a:fontRef idx="minor">
-            <a:schemeClr val="dk1"/>
-          </a:fontRef>
-        </p:style>
-        <p:txBody>
-          <a:bodyPr vert="horz" wrap="square" lIns="91440" tIns="45720" rIns="91440" bIns="45720" numCol="1" rtlCol="0" anchor="t" anchorCtr="0" compatLnSpc="1">
-            <a:prstTxWarp prst="textNoShape">
-              <a:avLst/>
-            </a:prstTxWarp>
-          </a:bodyPr>
-          <a:lstStyle/>
-          <a:p>
-            <a:r>
-              <a:rPr lang="de-DE" dirty="0">
-                <a:latin typeface="+mn-lt"/>
-              </a:rPr>
-              <a:t>Spieltheoretische Einordnung</a:t>
-            </a:r>
-          </a:p>
-          <a:p>
-            <a:endParaRPr lang="en-DE" dirty="0">
-              <a:latin typeface="+mn-lt"/>
-            </a:endParaRPr>
-          </a:p>
-          <a:p>
-            <a:pPr marL="285750" indent="-285750">
-              <a:buFont typeface="Wingdings" panose="05000000000000000000" pitchFamily="2" charset="2"/>
-              <a:buChar char="§"/>
-            </a:pPr>
-            <a:r>
-              <a:rPr lang="en-DE" sz="1600" b="0" dirty="0">
-                <a:latin typeface="+mn-lt"/>
-              </a:rPr>
-              <a:t>Zwei Spieler </a:t>
-            </a:r>
-          </a:p>
-          <a:p>
-            <a:pPr marL="285750" indent="-285750">
-              <a:buFont typeface="Wingdings" panose="05000000000000000000" pitchFamily="2" charset="2"/>
-              <a:buChar char="§"/>
-            </a:pPr>
-            <a:r>
-              <a:rPr lang="en-DE" sz="1600" b="0" dirty="0">
-                <a:latin typeface="+mn-lt"/>
-              </a:rPr>
-              <a:t>Unvollständige Information</a:t>
-            </a:r>
-          </a:p>
-          <a:p>
-            <a:pPr marL="285750" indent="-285750">
-              <a:buFont typeface="Wingdings" panose="05000000000000000000" pitchFamily="2" charset="2"/>
-              <a:buChar char="§"/>
-            </a:pPr>
-            <a:r>
-              <a:rPr lang="de-DE" sz="1600" b="0" dirty="0">
-                <a:latin typeface="+mn-lt"/>
-              </a:rPr>
-              <a:t>Zufällige </a:t>
-            </a:r>
-            <a:r>
-              <a:rPr lang="de-DE" sz="1600" b="0" dirty="0"/>
-              <a:t>T</a:t>
-            </a:r>
-            <a:r>
-              <a:rPr lang="de-DE" sz="1600" b="0" dirty="0">
-                <a:latin typeface="+mn-lt"/>
-              </a:rPr>
-              <a:t>eams</a:t>
-            </a:r>
-          </a:p>
-          <a:p>
-            <a:pPr marL="285750" indent="-285750">
-              <a:buFont typeface="Wingdings" panose="05000000000000000000" pitchFamily="2" charset="2"/>
-              <a:buChar char="§"/>
-            </a:pPr>
-            <a:r>
-              <a:rPr lang="de-DE" sz="1600" b="0" dirty="0"/>
-              <a:t>Menge an Zuständen: Mehr als 3 (TODO)</a:t>
-            </a:r>
-            <a:endParaRPr lang="de-DE" sz="1600" b="0" dirty="0">
-              <a:latin typeface="+mn-lt"/>
-            </a:endParaRPr>
-          </a:p>
-        </p:txBody>
-      </p:sp>
-      <p:sp>
-        <p:nvSpPr>
-          <p:cNvPr id="17" name="Rechteck: abgerundete Ecken 16">
-            <a:extLst>
-              <a:ext uri="{FF2B5EF4-FFF2-40B4-BE49-F238E27FC236}">
-                <a16:creationId xmlns:a16="http://schemas.microsoft.com/office/drawing/2014/main" id="{34EA9E7D-A366-4398-86D1-FD511EF1848C}"/>
-              </a:ext>
-            </a:extLst>
-          </p:cNvPr>
-          <p:cNvSpPr/>
-          <p:nvPr/>
-        </p:nvSpPr>
-        <p:spPr bwMode="auto">
-          <a:xfrm>
-            <a:off x="156014" y="3847542"/>
-            <a:ext cx="3019794" cy="2223938"/>
-          </a:xfrm>
-          <a:prstGeom prst="roundRect">
-            <a:avLst/>
-          </a:prstGeom>
-          <a:ln>
-            <a:headEnd type="none" w="sm" len="sm"/>
-            <a:tailEnd type="none" w="sm" len="sm"/>
-          </a:ln>
-        </p:spPr>
-        <p:style>
-          <a:lnRef idx="1">
-            <a:schemeClr val="accent5"/>
-          </a:lnRef>
-          <a:fillRef idx="2">
-            <a:schemeClr val="accent5"/>
-          </a:fillRef>
-          <a:effectRef idx="1">
-            <a:schemeClr val="accent5"/>
-          </a:effectRef>
-          <a:fontRef idx="minor">
-            <a:schemeClr val="dk1"/>
-          </a:fontRef>
-        </p:style>
-        <p:txBody>
-          <a:bodyPr vert="horz" wrap="square" lIns="91440" tIns="45720" rIns="91440" bIns="45720" numCol="1" rtlCol="0" anchor="t" anchorCtr="0" compatLnSpc="1">
-            <a:prstTxWarp prst="textNoShape">
-              <a:avLst/>
-            </a:prstTxWarp>
-          </a:bodyPr>
-          <a:lstStyle/>
-          <a:p>
-            <a:r>
-              <a:rPr lang="de-DE" sz="1600" dirty="0">
-                <a:latin typeface="+mn-lt"/>
-              </a:rPr>
-              <a:t>Literatur</a:t>
-            </a:r>
-            <a:endParaRPr lang="en-DE" sz="1600" dirty="0">
-              <a:latin typeface="+mn-lt"/>
-            </a:endParaRPr>
-          </a:p>
-          <a:p>
-            <a:r>
-              <a:rPr lang="de-DE" sz="1600" b="0" dirty="0">
-                <a:latin typeface="+mn-lt"/>
-              </a:rPr>
-              <a:t>Bisherige Arbeiten:</a:t>
-            </a:r>
-            <a:endParaRPr lang="de-DE" sz="1600" b="0" dirty="0"/>
-          </a:p>
-          <a:p>
-            <a:pPr marL="285750" indent="-285750">
-              <a:buFont typeface="Wingdings" pitchFamily="2" charset="2"/>
-              <a:buChar char="Ø"/>
-            </a:pPr>
-            <a:r>
-              <a:rPr lang="de-DE" sz="1600" b="0" dirty="0"/>
-              <a:t>Suche (</a:t>
-            </a:r>
-            <a:r>
-              <a:rPr lang="de-DE" sz="1600" b="0" dirty="0" err="1"/>
-              <a:t>Expecti</a:t>
-            </a:r>
-            <a:r>
-              <a:rPr lang="de-DE" sz="1600" b="0" dirty="0"/>
-              <a:t>-Minimax)</a:t>
-            </a:r>
-          </a:p>
-          <a:p>
-            <a:pPr lvl="1"/>
-            <a:r>
-              <a:rPr lang="de-DE" sz="1600" b="0" dirty="0"/>
-              <a:t>Max </a:t>
-            </a:r>
-            <a:r>
-              <a:rPr lang="de-DE" sz="1600" b="0" dirty="0" err="1"/>
-              <a:t>Elo</a:t>
-            </a:r>
-            <a:r>
-              <a:rPr lang="de-DE" sz="1600" b="0" dirty="0"/>
-              <a:t>: 1461 (gen 7)</a:t>
-            </a:r>
-          </a:p>
-          <a:p>
-            <a:pPr lvl="1"/>
-            <a:r>
-              <a:rPr lang="de-DE" sz="1600" b="0" dirty="0"/>
-              <a:t>Max Glicko-1: 1633</a:t>
-            </a:r>
-          </a:p>
-          <a:p>
-            <a:pPr marL="285750" indent="-285750">
-              <a:buFont typeface="Wingdings" pitchFamily="2" charset="2"/>
-              <a:buChar char="Ø"/>
-            </a:pPr>
-            <a:r>
-              <a:rPr lang="de-DE" sz="1600" b="0" dirty="0">
-                <a:latin typeface="+mn-lt"/>
-              </a:rPr>
-              <a:t>Reinforcement-Learning</a:t>
-            </a:r>
-            <a:endParaRPr lang="en-DE" sz="1600" b="0" dirty="0"/>
-          </a:p>
-          <a:p>
-            <a:pPr lvl="1"/>
-            <a:r>
-              <a:rPr lang="en-DE" sz="1600" b="0" dirty="0">
-                <a:latin typeface="+mn-lt"/>
-              </a:rPr>
-              <a:t>Max </a:t>
-            </a:r>
-            <a:r>
-              <a:rPr lang="en-DE" sz="1600" b="0" dirty="0"/>
-              <a:t>Elo: not evaluated</a:t>
-            </a:r>
-          </a:p>
-          <a:p>
-            <a:pPr lvl="1"/>
-            <a:r>
-              <a:rPr lang="en-DE" sz="1600" b="0" dirty="0"/>
-              <a:t>Max Glicko-1: 1677</a:t>
-            </a:r>
-          </a:p>
-          <a:p>
-            <a:pPr marL="1200150" lvl="2" indent="-285750">
-              <a:buFont typeface="Wingdings" pitchFamily="2" charset="2"/>
-              <a:buChar char="Ø"/>
-            </a:pPr>
-            <a:endParaRPr lang="de-DE" sz="1600" b="0" dirty="0">
-              <a:latin typeface="+mn-lt"/>
-            </a:endParaRPr>
-          </a:p>
-        </p:txBody>
-      </p:sp>
-      <p:cxnSp>
-        <p:nvCxnSpPr>
-          <p:cNvPr id="18" name="Gerader Verbinder 17">
-            <a:extLst>
-              <a:ext uri="{FF2B5EF4-FFF2-40B4-BE49-F238E27FC236}">
-                <a16:creationId xmlns:a16="http://schemas.microsoft.com/office/drawing/2014/main" id="{C12F98B9-C35C-436D-9599-F4BF55AE6145}"/>
-              </a:ext>
-            </a:extLst>
-          </p:cNvPr>
-          <p:cNvCxnSpPr>
-            <a:cxnSpLocks/>
-          </p:cNvCxnSpPr>
-          <p:nvPr/>
-        </p:nvCxnSpPr>
-        <p:spPr bwMode="auto">
-          <a:xfrm>
-            <a:off x="6096000" y="702901"/>
-            <a:ext cx="0" cy="5544616"/>
-          </a:xfrm>
-          <a:prstGeom prst="line">
-            <a:avLst/>
-          </a:prstGeom>
-          <a:solidFill>
-            <a:schemeClr val="accent1"/>
-          </a:solidFill>
-          <a:ln w="12700" cap="flat" cmpd="sng" algn="ctr">
-            <a:solidFill>
-              <a:schemeClr val="accent1">
-                <a:lumMod val="75000"/>
-              </a:schemeClr>
-            </a:solidFill>
-            <a:prstDash val="dashDot"/>
-            <a:round/>
-            <a:headEnd type="none" w="sm" len="sm"/>
-            <a:tailEnd type="none" w="sm" len="sm"/>
-          </a:ln>
-          <a:effectLst/>
-        </p:spPr>
-      </p:cxnSp>
-      <p:sp>
-        <p:nvSpPr>
-          <p:cNvPr id="20" name="Rechteck: abgerundete Ecken 19">
-            <a:extLst>
-              <a:ext uri="{FF2B5EF4-FFF2-40B4-BE49-F238E27FC236}">
-                <a16:creationId xmlns:a16="http://schemas.microsoft.com/office/drawing/2014/main" id="{4A812CEB-E7C6-48BA-B4F5-5E2FF62ADB44}"/>
-              </a:ext>
-            </a:extLst>
-          </p:cNvPr>
-          <p:cNvSpPr/>
-          <p:nvPr/>
-        </p:nvSpPr>
-        <p:spPr bwMode="auto">
-          <a:xfrm>
-            <a:off x="6310907" y="915625"/>
-            <a:ext cx="3025452" cy="5119168"/>
-          </a:xfrm>
-          <a:prstGeom prst="roundRect">
-            <a:avLst/>
-          </a:prstGeom>
-          <a:ln>
-            <a:headEnd type="none" w="sm" len="sm"/>
-            <a:tailEnd type="none" w="sm" len="sm"/>
-          </a:ln>
-        </p:spPr>
-        <p:style>
-          <a:lnRef idx="1">
-            <a:schemeClr val="accent1"/>
-          </a:lnRef>
-          <a:fillRef idx="2">
-            <a:schemeClr val="accent1"/>
-          </a:fillRef>
-          <a:effectRef idx="1">
-            <a:schemeClr val="accent1"/>
-          </a:effectRef>
-          <a:fontRef idx="minor">
-            <a:schemeClr val="dk1"/>
-          </a:fontRef>
-        </p:style>
-        <p:txBody>
-          <a:bodyPr vert="horz" wrap="square" lIns="91440" tIns="45720" rIns="91440" bIns="45720" numCol="1" rtlCol="0" anchor="t" anchorCtr="0" compatLnSpc="1">
-            <a:prstTxWarp prst="textNoShape">
-              <a:avLst/>
-            </a:prstTxWarp>
-          </a:bodyPr>
-          <a:lstStyle/>
-          <a:p>
-            <a:r>
-              <a:rPr lang="de-DE" sz="1600" dirty="0"/>
-              <a:t>Ansatz der Arbeit</a:t>
-            </a:r>
-            <a:endParaRPr lang="de-DE" sz="1600" dirty="0">
-              <a:latin typeface="+mn-lt"/>
-            </a:endParaRPr>
-          </a:p>
-          <a:p>
-            <a:pPr marL="285750" indent="-285750">
-              <a:buFont typeface="Wingdings" panose="05000000000000000000" pitchFamily="2" charset="2"/>
-              <a:buChar char="§"/>
-            </a:pPr>
-            <a:r>
-              <a:rPr lang="de-DE" sz="1600" b="0" dirty="0">
-                <a:latin typeface="+mn-lt"/>
-              </a:rPr>
-              <a:t>Aufteilen in 2 Phasen</a:t>
-            </a:r>
-            <a:endParaRPr lang="en-DE" sz="1600" b="0" dirty="0">
-              <a:latin typeface="+mn-lt"/>
-            </a:endParaRPr>
-          </a:p>
-        </p:txBody>
-      </p:sp>
-      <p:sp>
-        <p:nvSpPr>
-          <p:cNvPr id="21" name="Rechteck: abgerundete Ecken 20">
-            <a:extLst>
-              <a:ext uri="{FF2B5EF4-FFF2-40B4-BE49-F238E27FC236}">
-                <a16:creationId xmlns:a16="http://schemas.microsoft.com/office/drawing/2014/main" id="{B05C2CD4-3FAE-4C2E-82BA-F1C4750980C9}"/>
-              </a:ext>
-            </a:extLst>
-          </p:cNvPr>
-          <p:cNvSpPr/>
-          <p:nvPr/>
-        </p:nvSpPr>
-        <p:spPr bwMode="auto">
-          <a:xfrm>
-            <a:off x="6528048" y="1700807"/>
-            <a:ext cx="2585232" cy="2146735"/>
-          </a:xfrm>
-          <a:prstGeom prst="roundRect">
-            <a:avLst/>
-          </a:prstGeom>
-          <a:ln>
-            <a:headEnd type="none" w="sm" len="sm"/>
-            <a:tailEnd type="none" w="sm" len="sm"/>
-          </a:ln>
-        </p:spPr>
-        <p:style>
-          <a:lnRef idx="1">
-            <a:schemeClr val="accent3"/>
-          </a:lnRef>
-          <a:fillRef idx="2">
-            <a:schemeClr val="accent3"/>
-          </a:fillRef>
-          <a:effectRef idx="1">
-            <a:schemeClr val="accent3"/>
-          </a:effectRef>
-          <a:fontRef idx="minor">
-            <a:schemeClr val="dk1"/>
-          </a:fontRef>
-        </p:style>
-        <p:txBody>
-          <a:bodyPr vert="horz" wrap="square" lIns="91440" tIns="45720" rIns="91440" bIns="45720" numCol="1" rtlCol="0" anchor="t" anchorCtr="0" compatLnSpc="1">
-            <a:prstTxWarp prst="textNoShape">
-              <a:avLst/>
-            </a:prstTxWarp>
-          </a:bodyPr>
-          <a:lstStyle/>
-          <a:p>
-            <a:r>
-              <a:rPr lang="de-DE" dirty="0">
-                <a:latin typeface="+mn-lt"/>
-              </a:rPr>
-              <a:t>1. </a:t>
-            </a:r>
-            <a:r>
-              <a:rPr lang="en-DE" dirty="0">
-                <a:latin typeface="+mn-lt"/>
-              </a:rPr>
-              <a:t>Discovery Phase</a:t>
-            </a:r>
-          </a:p>
-          <a:p>
-            <a:pPr marL="285750" indent="-285750">
-              <a:buFontTx/>
-              <a:buChar char="-"/>
-            </a:pPr>
-            <a:r>
-              <a:rPr lang="en-DE" sz="1600" b="0" dirty="0">
-                <a:latin typeface="+mn-lt"/>
-              </a:rPr>
-              <a:t>Passiv Spielen</a:t>
-            </a:r>
-          </a:p>
-          <a:p>
-            <a:pPr marL="285750" indent="-285750">
-              <a:buFontTx/>
-              <a:buChar char="-"/>
-            </a:pPr>
-            <a:r>
-              <a:rPr lang="en-DE" sz="1600" b="0" dirty="0">
-                <a:latin typeface="+mn-lt"/>
-              </a:rPr>
-              <a:t>Informationen gewinnen</a:t>
-            </a:r>
-          </a:p>
-          <a:p>
-            <a:pPr marL="285750" indent="-285750">
-              <a:buFontTx/>
-              <a:buChar char="-"/>
-            </a:pPr>
-            <a:r>
-              <a:rPr lang="en-DE" sz="1600" b="0" dirty="0">
-                <a:latin typeface="+mn-lt"/>
-              </a:rPr>
-              <a:t>Hazards und Status setzen</a:t>
-            </a:r>
-          </a:p>
-          <a:p>
-            <a:pPr marL="742950" lvl="1" indent="-285750">
-              <a:buFontTx/>
-              <a:buChar char="-"/>
-            </a:pPr>
-            <a:r>
-              <a:rPr lang="en-DE" sz="1600" b="0" dirty="0">
-                <a:latin typeface="+mn-lt"/>
-              </a:rPr>
-              <a:t>Langfristige Vorteile</a:t>
-            </a:r>
-          </a:p>
-        </p:txBody>
-      </p:sp>
-      <p:sp>
-        <p:nvSpPr>
-          <p:cNvPr id="22" name="Rechteck: abgerundete Ecken 21">
-            <a:extLst>
-              <a:ext uri="{FF2B5EF4-FFF2-40B4-BE49-F238E27FC236}">
-                <a16:creationId xmlns:a16="http://schemas.microsoft.com/office/drawing/2014/main" id="{204C1F97-B08B-45BD-B146-E6F3A64EE00D}"/>
-              </a:ext>
-            </a:extLst>
-          </p:cNvPr>
-          <p:cNvSpPr/>
-          <p:nvPr/>
-        </p:nvSpPr>
-        <p:spPr bwMode="auto">
-          <a:xfrm>
-            <a:off x="6520992" y="4149080"/>
-            <a:ext cx="2592288" cy="1584176"/>
-          </a:xfrm>
-          <a:prstGeom prst="roundRect">
-            <a:avLst/>
-          </a:prstGeom>
-          <a:ln>
-            <a:headEnd type="none" w="sm" len="sm"/>
-            <a:tailEnd type="none" w="sm" len="sm"/>
-          </a:ln>
-        </p:spPr>
-        <p:style>
-          <a:lnRef idx="1">
-            <a:schemeClr val="accent4"/>
-          </a:lnRef>
-          <a:fillRef idx="2">
-            <a:schemeClr val="accent4"/>
-          </a:fillRef>
-          <a:effectRef idx="1">
-            <a:schemeClr val="accent4"/>
-          </a:effectRef>
-          <a:fontRef idx="minor">
-            <a:schemeClr val="dk1"/>
-          </a:fontRef>
-        </p:style>
-        <p:txBody>
-          <a:bodyPr vert="horz" wrap="square" lIns="91440" tIns="45720" rIns="91440" bIns="45720" numCol="1" rtlCol="0" anchor="t" anchorCtr="0" compatLnSpc="1">
-            <a:prstTxWarp prst="textNoShape">
-              <a:avLst/>
-            </a:prstTxWarp>
-          </a:bodyPr>
-          <a:lstStyle/>
-          <a:p>
-            <a:r>
-              <a:rPr lang="de-DE" sz="1400" dirty="0">
-                <a:latin typeface="+mn-lt"/>
-              </a:rPr>
-              <a:t>2. </a:t>
-            </a:r>
-            <a:r>
-              <a:rPr lang="en-DE" sz="1400" dirty="0">
-                <a:latin typeface="+mn-lt"/>
-              </a:rPr>
-              <a:t>Defeat Phase</a:t>
-            </a:r>
-          </a:p>
-          <a:p>
-            <a:pPr marL="285750" indent="-285750">
-              <a:buFontTx/>
-              <a:buChar char="-"/>
-            </a:pPr>
-            <a:r>
-              <a:rPr lang="en-DE" sz="1600" b="0" dirty="0">
-                <a:latin typeface="+mn-lt"/>
-              </a:rPr>
-              <a:t>Solid Matchplan</a:t>
-            </a:r>
-          </a:p>
-          <a:p>
-            <a:pPr marL="285750" indent="-285750">
-              <a:buFontTx/>
-              <a:buChar char="-"/>
-            </a:pPr>
-            <a:r>
-              <a:rPr lang="en-DE" sz="1600" b="0" dirty="0">
-                <a:latin typeface="+mn-lt"/>
-              </a:rPr>
-              <a:t>How to defeat what enemy</a:t>
-            </a:r>
-          </a:p>
-        </p:txBody>
-      </p:sp>
-      <p:pic>
-        <p:nvPicPr>
-          <p:cNvPr id="23" name="Picture 4" descr="Win rate for board rating&#10;">
-            <a:extLst>
-              <a:ext uri="{FF2B5EF4-FFF2-40B4-BE49-F238E27FC236}">
-                <a16:creationId xmlns:a16="http://schemas.microsoft.com/office/drawing/2014/main" id="{7420FFC4-C732-42FC-8AC2-224B5CB81256}"/>
-              </a:ext>
-            </a:extLst>
-          </p:cNvPr>
-          <p:cNvPicPr>
-            <a:picLocks noChangeAspect="1"/>
-          </p:cNvPicPr>
-          <p:nvPr/>
-        </p:nvPicPr>
-        <p:blipFill>
-          <a:blip r:embed="rId4" cstate="print">
-            <a:extLst>
-              <a:ext uri="{28A0092B-C50C-407E-A947-70E740481C1C}">
-                <a14:useLocalDpi xmlns:a14="http://schemas.microsoft.com/office/drawing/2010/main" val="0"/>
-              </a:ext>
-            </a:extLst>
-          </a:blip>
-          <a:stretch>
-            <a:fillRect/>
-          </a:stretch>
-        </p:blipFill>
-        <p:spPr>
-          <a:xfrm>
-            <a:off x="9479257" y="3429000"/>
-            <a:ext cx="2594427" cy="2660786"/>
-          </a:xfrm>
-          <a:prstGeom prst="roundRect">
-            <a:avLst>
-              <a:gd name="adj" fmla="val 16667"/>
-            </a:avLst>
-          </a:prstGeom>
-          <a:ln>
-            <a:noFill/>
-          </a:ln>
-          <a:effectLst>
-            <a:outerShdw blurRad="76200" dist="38100" dir="7800000" algn="tl" rotWithShape="0">
-              <a:srgbClr val="000000">
-                <a:alpha val="40000"/>
-              </a:srgbClr>
-            </a:outerShdw>
-          </a:effectLst>
-          <a:scene3d>
-            <a:camera prst="orthographicFront"/>
-            <a:lightRig rig="contrasting" dir="t">
-              <a:rot lat="0" lon="0" rev="4200000"/>
-            </a:lightRig>
-          </a:scene3d>
-          <a:sp3d prstMaterial="plastic">
-            <a:bevelT w="381000" h="114300" prst="relaxedInset"/>
-            <a:contourClr>
-              <a:srgbClr val="969696"/>
-            </a:contourClr>
-          </a:sp3d>
-        </p:spPr>
-      </p:pic>
-      <p:pic>
-        <p:nvPicPr>
-          <p:cNvPr id="26" name="Grafik 25">
-            <a:extLst>
-              <a:ext uri="{FF2B5EF4-FFF2-40B4-BE49-F238E27FC236}">
-                <a16:creationId xmlns:a16="http://schemas.microsoft.com/office/drawing/2014/main" id="{7BF30419-EF7C-4D60-9899-99FB12FD768F}"/>
-              </a:ext>
-            </a:extLst>
-          </p:cNvPr>
-          <p:cNvPicPr>
-            <a:picLocks noChangeAspect="1"/>
-          </p:cNvPicPr>
-          <p:nvPr/>
-        </p:nvPicPr>
-        <p:blipFill>
-          <a:blip r:embed="rId5" cstate="print">
-            <a:extLst>
-              <a:ext uri="{28A0092B-C50C-407E-A947-70E740481C1C}">
-                <a14:useLocalDpi xmlns:a14="http://schemas.microsoft.com/office/drawing/2010/main" val="0"/>
-              </a:ext>
-            </a:extLst>
-          </a:blip>
-          <a:stretch>
-            <a:fillRect/>
-          </a:stretch>
-        </p:blipFill>
-        <p:spPr>
-          <a:xfrm>
-            <a:off x="9479257" y="1052736"/>
-            <a:ext cx="2644334" cy="1983251"/>
-          </a:xfrm>
-          <a:prstGeom prst="roundRect">
-            <a:avLst>
-              <a:gd name="adj" fmla="val 16667"/>
-            </a:avLst>
-          </a:prstGeom>
-          <a:ln>
-            <a:noFill/>
-          </a:ln>
-          <a:effectLst>
-            <a:outerShdw blurRad="76200" dist="38100" dir="7800000" algn="tl" rotWithShape="0">
-              <a:srgbClr val="000000">
-                <a:alpha val="40000"/>
-              </a:srgbClr>
-            </a:outerShdw>
-          </a:effectLst>
-          <a:scene3d>
-            <a:camera prst="orthographicFront"/>
-            <a:lightRig rig="contrasting" dir="t">
-              <a:rot lat="0" lon="0" rev="4200000"/>
-            </a:lightRig>
-          </a:scene3d>
-          <a:sp3d prstMaterial="plastic">
-            <a:bevelT w="381000" h="114300" prst="relaxedInset"/>
-            <a:contourClr>
-              <a:srgbClr val="969696"/>
-            </a:contourClr>
-          </a:sp3d>
-        </p:spPr>
-      </p:pic>
-      <p:sp>
-        <p:nvSpPr>
-          <p:cNvPr id="15" name="Rechteck: abgerundete Ecken 16">
-            <a:extLst>
-              <a:ext uri="{FF2B5EF4-FFF2-40B4-BE49-F238E27FC236}">
-                <a16:creationId xmlns:a16="http://schemas.microsoft.com/office/drawing/2014/main" id="{095974A6-4508-3241-88D7-4E136DA499AD}"/>
-              </a:ext>
-            </a:extLst>
-          </p:cNvPr>
-          <p:cNvSpPr/>
-          <p:nvPr/>
-        </p:nvSpPr>
-        <p:spPr bwMode="auto">
-          <a:xfrm>
-            <a:off x="3318707" y="3847542"/>
-            <a:ext cx="2633260" cy="2243955"/>
-          </a:xfrm>
-          <a:prstGeom prst="roundRect">
-            <a:avLst/>
-          </a:prstGeom>
-          <a:ln>
-            <a:headEnd type="none" w="sm" len="sm"/>
-            <a:tailEnd type="none" w="sm" len="sm"/>
-          </a:ln>
-        </p:spPr>
-        <p:style>
-          <a:lnRef idx="1">
-            <a:schemeClr val="accent5"/>
-          </a:lnRef>
-          <a:fillRef idx="2">
-            <a:schemeClr val="accent5"/>
-          </a:fillRef>
-          <a:effectRef idx="1">
-            <a:schemeClr val="accent5"/>
-          </a:effectRef>
-          <a:fontRef idx="minor">
-            <a:schemeClr val="dk1"/>
-          </a:fontRef>
-        </p:style>
-        <p:txBody>
-          <a:bodyPr vert="horz" wrap="square" lIns="91440" tIns="45720" rIns="91440" bIns="45720" numCol="1" rtlCol="0" anchor="t" anchorCtr="0" compatLnSpc="1">
-            <a:prstTxWarp prst="textNoShape">
-              <a:avLst/>
-            </a:prstTxWarp>
-          </a:bodyPr>
-          <a:lstStyle/>
-          <a:p>
-            <a:r>
-              <a:rPr lang="en-DE" sz="1600" dirty="0">
-                <a:latin typeface="+mn-lt"/>
-              </a:rPr>
-              <a:t>Menschen</a:t>
-            </a:r>
-          </a:p>
-          <a:p>
-            <a:pPr marL="285750" indent="-285750">
-              <a:buFont typeface="Wingdings" pitchFamily="2" charset="2"/>
-              <a:buChar char="Ø"/>
-            </a:pPr>
-            <a:r>
-              <a:rPr lang="en-DE" sz="1600" b="0" dirty="0"/>
-              <a:t>Elo: 2451</a:t>
-            </a:r>
-          </a:p>
-          <a:p>
-            <a:pPr marL="285750" indent="-285750">
-              <a:buFont typeface="Wingdings" pitchFamily="2" charset="2"/>
-              <a:buChar char="Ø"/>
-            </a:pPr>
-            <a:r>
-              <a:rPr lang="en-DE" sz="1600" b="0" dirty="0"/>
-              <a:t>Glicko-1: 1999</a:t>
-            </a:r>
-          </a:p>
-          <a:p>
-            <a:pPr marL="285750" indent="-285750">
-              <a:buFont typeface="Wingdings" pitchFamily="2" charset="2"/>
-              <a:buChar char="Ø"/>
-            </a:pPr>
-            <a:endParaRPr lang="en-DE" sz="1600" b="0" dirty="0"/>
-          </a:p>
-          <a:p>
-            <a:pPr marL="285750" indent="-285750">
-              <a:buFont typeface="Wingdings" pitchFamily="2" charset="2"/>
-              <a:buChar char="Ø"/>
-            </a:pPr>
-            <a:r>
-              <a:rPr lang="en-DE" sz="1600" b="0" dirty="0"/>
-              <a:t>Mehr als 10.000 aktive Spieler im Schnitt auf Pokémon Showdown</a:t>
-            </a:r>
-          </a:p>
-        </p:txBody>
-      </p:sp>
-    </p:spTree>
-    <p:extLst>
-      <p:ext uri="{BB962C8B-B14F-4D97-AF65-F5344CB8AC3E}">
-        <p14:creationId xmlns:p14="http://schemas.microsoft.com/office/powerpoint/2010/main" val="2561190477"/>
-      </p:ext>
-    </p:extLst>
-  </p:cSld>
-  <p:clrMapOvr>
-    <a:masterClrMapping/>
-  </p:clrMapOvr>
-</p:sld>
-</file>
-
-<file path=ppt/slides/slide3.xml><?xml version="1.0" encoding="utf-8"?>
-<p:sld xmlns:a="http://schemas.openxmlformats.org/drawingml/2006/main" xmlns:r="http://schemas.openxmlformats.org/officeDocument/2006/relationships" xmlns:p="http://schemas.openxmlformats.org/presentationml/2006/main">
-  <p:cSld>
-    <p:spTree>
-      <p:nvGrpSpPr>
-        <p:cNvPr id="1" name=""/>
-        <p:cNvGrpSpPr/>
-        <p:nvPr/>
-      </p:nvGrpSpPr>
-      <p:grpSpPr>
-        <a:xfrm>
-          <a:off x="0" y="0"/>
-          <a:ext cx="0" cy="0"/>
-          <a:chOff x="0" y="0"/>
-          <a:chExt cx="0" cy="0"/>
-        </a:xfrm>
-      </p:grpSpPr>
-      <p:sp>
-        <p:nvSpPr>
-          <p:cNvPr id="7" name="Title 6"/>
-          <p:cNvSpPr>
-            <a:spLocks noGrp="1"/>
-          </p:cNvSpPr>
-          <p:nvPr>
-            <p:ph type="title"/>
-          </p:nvPr>
-        </p:nvSpPr>
-        <p:spPr>
-          <a:xfrm>
-            <a:off x="719670" y="188640"/>
-            <a:ext cx="10657417" cy="360040"/>
-          </a:xfrm>
-        </p:spPr>
-        <p:txBody>
-          <a:bodyPr/>
-          <a:lstStyle/>
-          <a:p>
-            <a:r>
-              <a:rPr lang="de-DE" sz="2400" dirty="0"/>
-              <a:t>Design, Implementation </a:t>
-            </a:r>
-            <a:r>
-              <a:rPr lang="de-DE" sz="2400" dirty="0" err="1"/>
-              <a:t>and</a:t>
-            </a:r>
-            <a:r>
-              <a:rPr lang="de-DE" sz="2400" dirty="0"/>
-              <a:t> </a:t>
-            </a:r>
-            <a:r>
-              <a:rPr lang="de-DE" sz="2400" dirty="0" err="1"/>
-              <a:t>evaluation</a:t>
-            </a:r>
-            <a:r>
-              <a:rPr lang="de-DE" sz="2400" dirty="0"/>
-              <a:t> </a:t>
-            </a:r>
-            <a:r>
-              <a:rPr lang="de-DE" sz="2400" dirty="0" err="1"/>
-              <a:t>of</a:t>
-            </a:r>
-            <a:r>
-              <a:rPr lang="de-DE" sz="2400" dirty="0"/>
-              <a:t> different </a:t>
-            </a:r>
-            <a:r>
-              <a:rPr lang="de-DE" sz="2400" dirty="0" err="1"/>
-              <a:t>strategies</a:t>
-            </a:r>
-            <a:r>
-              <a:rPr lang="de-DE" sz="2400" dirty="0"/>
-              <a:t> </a:t>
-            </a:r>
-            <a:r>
-              <a:rPr lang="de-DE" sz="2400" dirty="0" err="1"/>
-              <a:t>for</a:t>
-            </a:r>
-            <a:r>
-              <a:rPr lang="de-DE" sz="2400" dirty="0"/>
-              <a:t> </a:t>
-            </a:r>
-            <a:r>
-              <a:rPr lang="de-DE" sz="2400" dirty="0" err="1"/>
-              <a:t>playing</a:t>
-            </a:r>
-            <a:r>
-              <a:rPr lang="de-DE" sz="2400" dirty="0"/>
-              <a:t> Pokémon </a:t>
-            </a:r>
-            <a:r>
-              <a:rPr lang="de-DE" sz="2400" dirty="0" err="1"/>
-              <a:t>battles</a:t>
-            </a:r>
-            <a:endParaRPr lang="en-US" sz="2400" dirty="0"/>
-          </a:p>
-        </p:txBody>
-      </p:sp>
-      <p:pic>
-        <p:nvPicPr>
-          <p:cNvPr id="5" name="Picture 4" descr="Win rate for board rating&#10;">
-            <a:extLst>
-              <a:ext uri="{FF2B5EF4-FFF2-40B4-BE49-F238E27FC236}">
-                <a16:creationId xmlns:a16="http://schemas.microsoft.com/office/drawing/2014/main" id="{E84D91F5-5B80-D645-B1EA-BD73CBA6CA98}"/>
-              </a:ext>
-            </a:extLst>
-          </p:cNvPr>
-          <p:cNvPicPr>
-            <a:picLocks noChangeAspect="1"/>
-          </p:cNvPicPr>
-          <p:nvPr/>
-        </p:nvPicPr>
-        <p:blipFill>
-          <a:blip r:embed="rId2" cstate="print">
-            <a:extLst>
-              <a:ext uri="{28A0092B-C50C-407E-A947-70E740481C1C}">
-                <a14:useLocalDpi xmlns:a14="http://schemas.microsoft.com/office/drawing/2010/main" val="0"/>
-              </a:ext>
-            </a:extLst>
-          </a:blip>
-          <a:stretch>
-            <a:fillRect/>
-          </a:stretch>
-        </p:blipFill>
-        <p:spPr>
-          <a:xfrm>
-            <a:off x="8184232" y="908720"/>
-            <a:ext cx="3615351" cy="3707823"/>
-          </a:xfrm>
-          <a:prstGeom prst="rect">
-            <a:avLst/>
-          </a:prstGeom>
-        </p:spPr>
-      </p:pic>
-      <p:sp>
-        <p:nvSpPr>
-          <p:cNvPr id="6" name="TextBox 5">
-            <a:extLst>
-              <a:ext uri="{FF2B5EF4-FFF2-40B4-BE49-F238E27FC236}">
-                <a16:creationId xmlns:a16="http://schemas.microsoft.com/office/drawing/2014/main" id="{EF9122C6-5B24-464C-BD1D-055B0E795E1E}"/>
-              </a:ext>
-            </a:extLst>
-          </p:cNvPr>
-          <p:cNvSpPr txBox="1"/>
-          <p:nvPr/>
-        </p:nvSpPr>
-        <p:spPr>
-          <a:xfrm>
-            <a:off x="719670" y="2577136"/>
-            <a:ext cx="3360106" cy="1815882"/>
-          </a:xfrm>
-          <a:prstGeom prst="rect">
-            <a:avLst/>
-          </a:prstGeom>
-          <a:noFill/>
-        </p:spPr>
-        <p:txBody>
-          <a:bodyPr wrap="square" rtlCol="0">
-            <a:spAutoFit/>
-          </a:bodyPr>
-          <a:lstStyle/>
-          <a:p>
-            <a:r>
-              <a:rPr lang="en-DE" sz="1600" b="0" dirty="0">
-                <a:latin typeface="+mn-lt"/>
-              </a:rPr>
-              <a:t>2. Pokémon Kämpfe</a:t>
-            </a:r>
-          </a:p>
-          <a:p>
-            <a:pPr marL="342900" indent="-342900">
-              <a:buFontTx/>
-              <a:buChar char="-"/>
-            </a:pPr>
-            <a:r>
-              <a:rPr lang="en-DE" sz="1600" b="0" dirty="0">
-                <a:latin typeface="+mn-lt"/>
-              </a:rPr>
-              <a:t>Zwei Spieler </a:t>
-            </a:r>
-          </a:p>
-          <a:p>
-            <a:pPr marL="342900" indent="-342900">
-              <a:buFontTx/>
-              <a:buChar char="-"/>
-            </a:pPr>
-            <a:r>
-              <a:rPr lang="en-DE" sz="1600" b="0" dirty="0">
-                <a:latin typeface="+mn-lt"/>
-              </a:rPr>
-              <a:t>Unvollständige Information</a:t>
-            </a:r>
-          </a:p>
-          <a:p>
-            <a:pPr marL="342900" indent="-342900">
-              <a:buFontTx/>
-              <a:buChar char="-"/>
-            </a:pPr>
-            <a:r>
-              <a:rPr lang="en-DE" sz="1600" b="0" dirty="0">
-                <a:latin typeface="+mn-lt"/>
-              </a:rPr>
-              <a:t>Austragungsort: Pokémon Showdown</a:t>
-            </a:r>
-          </a:p>
-          <a:p>
-            <a:pPr marL="342900" indent="-342900">
-              <a:buFontTx/>
-              <a:buChar char="-"/>
-            </a:pPr>
-            <a:r>
-              <a:rPr lang="en-DE" sz="1600" b="0" dirty="0">
-                <a:latin typeface="+mn-lt"/>
-              </a:rPr>
-              <a:t>Teams are random</a:t>
-            </a:r>
-          </a:p>
-          <a:p>
-            <a:pPr marL="342900" indent="-342900">
-              <a:buFontTx/>
-              <a:buChar char="-"/>
-            </a:pPr>
-            <a:endParaRPr lang="en-DE" sz="1600" b="0" dirty="0">
-              <a:latin typeface="+mn-lt"/>
-            </a:endParaRPr>
-          </a:p>
-        </p:txBody>
-      </p:sp>
-      <p:sp>
-        <p:nvSpPr>
-          <p:cNvPr id="10" name="TextBox 9">
-            <a:extLst>
-              <a:ext uri="{FF2B5EF4-FFF2-40B4-BE49-F238E27FC236}">
-                <a16:creationId xmlns:a16="http://schemas.microsoft.com/office/drawing/2014/main" id="{7B4F8145-599B-8743-9886-A2B9AA4CC5FE}"/>
-              </a:ext>
-            </a:extLst>
-          </p:cNvPr>
-          <p:cNvSpPr txBox="1"/>
-          <p:nvPr/>
-        </p:nvSpPr>
-        <p:spPr>
-          <a:xfrm>
-            <a:off x="8184231" y="4716194"/>
-            <a:ext cx="3615351" cy="1077218"/>
-          </a:xfrm>
-          <a:prstGeom prst="rect">
-            <a:avLst/>
-          </a:prstGeom>
-          <a:noFill/>
-        </p:spPr>
-        <p:txBody>
-          <a:bodyPr wrap="square" rtlCol="0">
-            <a:spAutoFit/>
-          </a:bodyPr>
-          <a:lstStyle/>
-          <a:p>
-            <a:pPr algn="ctr"/>
-            <a:r>
-              <a:rPr lang="en-DE" sz="1600" b="0" dirty="0">
-                <a:latin typeface="+mn-lt"/>
-              </a:rPr>
-              <a:t>Zusammenhang des berechneten Board-Ratings (rot) und der Siegesrate eines Baseline-Agenten (grün)</a:t>
-            </a:r>
-          </a:p>
-        </p:txBody>
-      </p:sp>
-      <p:sp>
-        <p:nvSpPr>
-          <p:cNvPr id="11" name="TextBox 10">
-            <a:extLst>
-              <a:ext uri="{FF2B5EF4-FFF2-40B4-BE49-F238E27FC236}">
-                <a16:creationId xmlns:a16="http://schemas.microsoft.com/office/drawing/2014/main" id="{FC5EF3D6-F5C1-6C4B-BD99-A452B8EC1946}"/>
-              </a:ext>
-            </a:extLst>
-          </p:cNvPr>
-          <p:cNvSpPr txBox="1"/>
-          <p:nvPr/>
-        </p:nvSpPr>
-        <p:spPr>
-          <a:xfrm>
-            <a:off x="4511824" y="1049876"/>
-            <a:ext cx="3240360" cy="4524315"/>
-          </a:xfrm>
-          <a:prstGeom prst="rect">
-            <a:avLst/>
-          </a:prstGeom>
-          <a:noFill/>
-        </p:spPr>
-        <p:txBody>
-          <a:bodyPr wrap="square" rtlCol="0">
-            <a:spAutoFit/>
-          </a:bodyPr>
-          <a:lstStyle/>
-          <a:p>
-            <a:r>
-              <a:rPr lang="en-DE" sz="1600" b="0" dirty="0">
-                <a:latin typeface="+mn-lt"/>
-              </a:rPr>
-              <a:t>4. Agent:</a:t>
-            </a:r>
-          </a:p>
-          <a:p>
-            <a:r>
-              <a:rPr lang="en-DE" sz="1600" b="0" dirty="0">
-                <a:latin typeface="+mn-lt"/>
-              </a:rPr>
-              <a:t>- Kombination MiniMax und regelbasierte Agente </a:t>
-            </a:r>
-          </a:p>
-          <a:p>
-            <a:r>
-              <a:rPr lang="en-DE" sz="1600" b="0" dirty="0">
-                <a:latin typeface="+mn-lt"/>
-              </a:rPr>
-              <a:t>- MiniMax für jedes matchup, erlaubt zweiten MiniMax für game Plan</a:t>
-            </a:r>
-          </a:p>
-          <a:p>
-            <a:endParaRPr lang="en-DE" sz="1600" b="0" dirty="0">
-              <a:latin typeface="+mn-lt"/>
-            </a:endParaRPr>
-          </a:p>
-          <a:p>
-            <a:r>
-              <a:rPr lang="en-DE" sz="1600" b="0" dirty="0">
-                <a:latin typeface="+mn-lt"/>
-              </a:rPr>
-              <a:t>Aufteilung in zwei Phasen:</a:t>
-            </a:r>
-          </a:p>
-          <a:p>
-            <a:r>
-              <a:rPr lang="en-DE" sz="1600" b="0" dirty="0">
-                <a:latin typeface="+mn-lt"/>
-              </a:rPr>
-              <a:t>3.1. Discovery Phase</a:t>
-            </a:r>
-          </a:p>
-          <a:p>
-            <a:pPr marL="285750" indent="-285750">
-              <a:buFontTx/>
-              <a:buChar char="-"/>
-            </a:pPr>
-            <a:r>
-              <a:rPr lang="en-DE" sz="1600" b="0" dirty="0">
-                <a:latin typeface="+mn-lt"/>
-              </a:rPr>
-              <a:t>Passiv Spielen</a:t>
-            </a:r>
-          </a:p>
-          <a:p>
-            <a:pPr marL="285750" indent="-285750">
-              <a:buFontTx/>
-              <a:buChar char="-"/>
-            </a:pPr>
-            <a:r>
-              <a:rPr lang="en-DE" sz="1600" b="0" dirty="0">
-                <a:latin typeface="+mn-lt"/>
-              </a:rPr>
-              <a:t>Informationen gewinnen</a:t>
-            </a:r>
-          </a:p>
-          <a:p>
-            <a:pPr marL="285750" indent="-285750">
-              <a:buFontTx/>
-              <a:buChar char="-"/>
-            </a:pPr>
-            <a:r>
-              <a:rPr lang="en-DE" sz="1600" b="0" dirty="0">
-                <a:latin typeface="+mn-lt"/>
-              </a:rPr>
-              <a:t>Hazards und Status setzen</a:t>
-            </a:r>
-          </a:p>
-          <a:p>
-            <a:pPr marL="742950" lvl="1" indent="-285750">
-              <a:buFontTx/>
-              <a:buChar char="-"/>
-            </a:pPr>
-            <a:r>
-              <a:rPr lang="en-DE" sz="1600" b="0" dirty="0">
-                <a:latin typeface="+mn-lt"/>
-              </a:rPr>
-              <a:t>Langfristige Vorteile</a:t>
-            </a:r>
-          </a:p>
-          <a:p>
-            <a:pPr lvl="1"/>
-            <a:endParaRPr lang="en-DE" sz="1600" b="0" dirty="0">
-              <a:latin typeface="+mn-lt"/>
-            </a:endParaRPr>
-          </a:p>
-          <a:p>
-            <a:br>
-              <a:rPr lang="en-DE" sz="1600" b="0" dirty="0">
-                <a:latin typeface="+mn-lt"/>
-              </a:rPr>
-            </a:br>
-            <a:r>
-              <a:rPr lang="en-DE" sz="1600" b="0" dirty="0">
-                <a:latin typeface="+mn-lt"/>
-              </a:rPr>
-              <a:t>3.2. Defeat Phase</a:t>
-            </a:r>
-          </a:p>
-          <a:p>
-            <a:pPr marL="285750" indent="-285750">
-              <a:buFontTx/>
-              <a:buChar char="-"/>
-            </a:pPr>
-            <a:r>
-              <a:rPr lang="en-DE" sz="1600" b="0" dirty="0">
-                <a:latin typeface="+mn-lt"/>
-              </a:rPr>
-              <a:t>Solid Matchplan</a:t>
-            </a:r>
-          </a:p>
-          <a:p>
-            <a:pPr marL="285750" indent="-285750">
-              <a:buFontTx/>
-              <a:buChar char="-"/>
-            </a:pPr>
-            <a:r>
-              <a:rPr lang="en-DE" sz="1600" b="0" dirty="0">
-                <a:latin typeface="+mn-lt"/>
-              </a:rPr>
-              <a:t>How to defeat what enemy</a:t>
-            </a:r>
-          </a:p>
-        </p:txBody>
-      </p:sp>
-      <p:sp>
-        <p:nvSpPr>
-          <p:cNvPr id="13" name="TextBox 12">
-            <a:extLst>
-              <a:ext uri="{FF2B5EF4-FFF2-40B4-BE49-F238E27FC236}">
-                <a16:creationId xmlns:a16="http://schemas.microsoft.com/office/drawing/2014/main" id="{36958681-A771-374C-8B74-E8B830F57480}"/>
-              </a:ext>
-            </a:extLst>
-          </p:cNvPr>
-          <p:cNvSpPr txBox="1"/>
-          <p:nvPr/>
-        </p:nvSpPr>
-        <p:spPr>
-          <a:xfrm>
-            <a:off x="719670" y="910248"/>
-            <a:ext cx="2736304" cy="1569660"/>
-          </a:xfrm>
-          <a:prstGeom prst="rect">
-            <a:avLst/>
-          </a:prstGeom>
-          <a:noFill/>
-        </p:spPr>
-        <p:txBody>
-          <a:bodyPr wrap="square" rtlCol="0">
-            <a:spAutoFit/>
-          </a:bodyPr>
-          <a:lstStyle/>
-          <a:p>
-            <a:pPr marL="342900" indent="-342900">
-              <a:buAutoNum type="arabicPeriod"/>
-            </a:pPr>
-            <a:r>
-              <a:rPr lang="en-DE" sz="1600" b="0" dirty="0">
-                <a:latin typeface="+mn-lt"/>
-              </a:rPr>
-              <a:t>Conclusion</a:t>
-            </a:r>
-          </a:p>
-          <a:p>
-            <a:pPr marL="285750" indent="-285750">
-              <a:buFontTx/>
-              <a:buChar char="-"/>
-            </a:pPr>
-            <a:r>
-              <a:rPr lang="en-DE" sz="1600" b="0" dirty="0">
-                <a:latin typeface="+mn-lt"/>
-              </a:rPr>
-              <a:t>Langfristige Planung</a:t>
-            </a:r>
-          </a:p>
-          <a:p>
-            <a:pPr marL="285750" indent="-285750">
-              <a:buFontTx/>
-              <a:buChar char="-"/>
-            </a:pPr>
-            <a:r>
-              <a:rPr lang="en-DE" sz="1600" b="0" dirty="0">
-                <a:latin typeface="+mn-lt"/>
-              </a:rPr>
-              <a:t>Herausforderung für Menschen</a:t>
-            </a:r>
-          </a:p>
-          <a:p>
-            <a:pPr marL="285750" indent="-285750">
-              <a:buFontTx/>
-              <a:buChar char="-"/>
-            </a:pPr>
-            <a:r>
-              <a:rPr lang="en-DE" sz="1600" b="0" dirty="0">
-                <a:latin typeface="+mn-lt"/>
-              </a:rPr>
-              <a:t>Potential für weitere Verbesserungen</a:t>
-            </a:r>
-          </a:p>
-        </p:txBody>
-      </p:sp>
-      <p:sp>
-        <p:nvSpPr>
-          <p:cNvPr id="16" name="TextBox 15">
-            <a:extLst>
-              <a:ext uri="{FF2B5EF4-FFF2-40B4-BE49-F238E27FC236}">
-                <a16:creationId xmlns:a16="http://schemas.microsoft.com/office/drawing/2014/main" id="{4E059811-9F6E-864B-9015-0B6518FCF32A}"/>
-              </a:ext>
-            </a:extLst>
-          </p:cNvPr>
-          <p:cNvSpPr txBox="1"/>
-          <p:nvPr/>
-        </p:nvSpPr>
-        <p:spPr>
-          <a:xfrm>
-            <a:off x="719670" y="4393018"/>
-            <a:ext cx="3240360" cy="1569660"/>
-          </a:xfrm>
-          <a:prstGeom prst="rect">
-            <a:avLst/>
-          </a:prstGeom>
-          <a:noFill/>
-        </p:spPr>
-        <p:txBody>
-          <a:bodyPr wrap="square" rtlCol="0">
-            <a:spAutoFit/>
-          </a:bodyPr>
-          <a:lstStyle/>
-          <a:p>
-            <a:r>
-              <a:rPr lang="en-DE" sz="1600" b="0" dirty="0">
-                <a:latin typeface="+mn-lt"/>
-              </a:rPr>
-              <a:t>3. Results</a:t>
-            </a:r>
-          </a:p>
-          <a:p>
-            <a:pPr marL="285750" indent="-285750">
-              <a:buFontTx/>
-              <a:buChar char="-"/>
-            </a:pPr>
-            <a:r>
-              <a:rPr lang="en-DE" sz="1600" b="0" dirty="0">
-                <a:latin typeface="+mn-lt"/>
-              </a:rPr>
-              <a:t>Zweitbeste such-basierte KI</a:t>
-            </a:r>
-          </a:p>
-          <a:p>
-            <a:pPr marL="285750" indent="-285750">
-              <a:buFontTx/>
-              <a:buChar char="-"/>
-            </a:pPr>
-            <a:r>
-              <a:rPr lang="en-DE" sz="1600" b="0" dirty="0">
-                <a:latin typeface="+mn-lt"/>
-              </a:rPr>
-              <a:t>DQN with embeddings</a:t>
-            </a:r>
-            <a:br>
-              <a:rPr lang="en-DE" sz="1600" b="0" dirty="0">
-                <a:latin typeface="+mn-lt"/>
-              </a:rPr>
-            </a:br>
-            <a:r>
-              <a:rPr lang="en-DE" sz="1600" b="0" dirty="0">
-                <a:latin typeface="+mn-lt"/>
-              </a:rPr>
-              <a:t>is current state of the art</a:t>
-            </a:r>
-          </a:p>
-          <a:p>
-            <a:pPr marL="285750" indent="-285750">
-              <a:buFontTx/>
-              <a:buChar char="-"/>
-            </a:pPr>
-            <a:r>
-              <a:rPr lang="en-DE" sz="1600" b="0" dirty="0">
-                <a:latin typeface="+mn-lt"/>
-              </a:rPr>
-              <a:t>ELO against Human Players: 1432 (max) </a:t>
-            </a:r>
-          </a:p>
-        </p:txBody>
-      </p:sp>
-    </p:spTree>
-    <p:extLst>
-      <p:ext uri="{BB962C8B-B14F-4D97-AF65-F5344CB8AC3E}">
-        <p14:creationId xmlns:p14="http://schemas.microsoft.com/office/powerpoint/2010/main" val="3462647311"/>
-      </p:ext>
-    </p:extLst>
-  </p:cSld>
-  <p:clrMapOvr>
-    <a:masterClrMapping/>
-  </p:clrMapOvr>
-</p:sld>
-</file>
-
-<file path=ppt/slides/slide4.xml><?xml version="1.0" encoding="utf-8"?>
-<p:sld xmlns:a="http://schemas.openxmlformats.org/drawingml/2006/main" xmlns:r="http://schemas.openxmlformats.org/officeDocument/2006/relationships" xmlns:p="http://schemas.openxmlformats.org/presentationml/2006/main">
-  <p:cSld>
-    <p:spTree>
-      <p:nvGrpSpPr>
-        <p:cNvPr id="1" name=""/>
-        <p:cNvGrpSpPr/>
-        <p:nvPr/>
-      </p:nvGrpSpPr>
-      <p:grpSpPr>
-        <a:xfrm>
-          <a:off x="0" y="0"/>
-          <a:ext cx="0" cy="0"/>
-          <a:chOff x="0" y="0"/>
-          <a:chExt cx="0" cy="0"/>
-        </a:xfrm>
-      </p:grpSpPr>
-      <p:sp>
-        <p:nvSpPr>
-          <p:cNvPr id="7" name="Title 6"/>
-          <p:cNvSpPr>
-            <a:spLocks noGrp="1"/>
-          </p:cNvSpPr>
-          <p:nvPr>
-            <p:ph type="title"/>
-          </p:nvPr>
-        </p:nvSpPr>
-        <p:spPr>
-          <a:xfrm>
-            <a:off x="719670" y="188640"/>
-            <a:ext cx="10657417" cy="360040"/>
-          </a:xfrm>
-        </p:spPr>
-        <p:txBody>
-          <a:bodyPr/>
-          <a:lstStyle/>
-          <a:p>
-            <a:r>
-              <a:rPr lang="de-DE" sz="2400" dirty="0"/>
-              <a:t>Design, Implementation </a:t>
-            </a:r>
-            <a:r>
-              <a:rPr lang="de-DE" sz="2400" dirty="0" err="1"/>
-              <a:t>and</a:t>
-            </a:r>
-            <a:r>
-              <a:rPr lang="de-DE" sz="2400" dirty="0"/>
-              <a:t> </a:t>
-            </a:r>
-            <a:r>
-              <a:rPr lang="de-DE" sz="2400" dirty="0" err="1"/>
-              <a:t>evaluation</a:t>
-            </a:r>
-            <a:r>
-              <a:rPr lang="de-DE" sz="2400" dirty="0"/>
-              <a:t> </a:t>
-            </a:r>
-            <a:r>
-              <a:rPr lang="de-DE" sz="2400" dirty="0" err="1"/>
-              <a:t>of</a:t>
-            </a:r>
-            <a:r>
-              <a:rPr lang="de-DE" sz="2400" dirty="0"/>
-              <a:t> different </a:t>
-            </a:r>
-            <a:r>
-              <a:rPr lang="de-DE" sz="2400" dirty="0" err="1"/>
-              <a:t>strategies</a:t>
-            </a:r>
-            <a:r>
-              <a:rPr lang="de-DE" sz="2400" dirty="0"/>
-              <a:t> </a:t>
-            </a:r>
-            <a:r>
-              <a:rPr lang="de-DE" sz="2400" dirty="0" err="1"/>
-              <a:t>for</a:t>
-            </a:r>
-            <a:r>
-              <a:rPr lang="de-DE" sz="2400" dirty="0"/>
-              <a:t> </a:t>
-            </a:r>
-            <a:r>
-              <a:rPr lang="de-DE" sz="2400" dirty="0" err="1"/>
-              <a:t>playing</a:t>
-            </a:r>
-            <a:r>
-              <a:rPr lang="de-DE" sz="2400" dirty="0"/>
-              <a:t> Pokémon </a:t>
-            </a:r>
-            <a:r>
-              <a:rPr lang="de-DE" sz="2400" dirty="0" err="1"/>
-              <a:t>battles</a:t>
-            </a:r>
-            <a:endParaRPr lang="en-US" sz="2400" dirty="0"/>
-          </a:p>
-        </p:txBody>
-      </p:sp>
-      <p:sp>
-        <p:nvSpPr>
-          <p:cNvPr id="8" name="Text Placeholder 7"/>
-          <p:cNvSpPr>
-            <a:spLocks noGrp="1"/>
-          </p:cNvSpPr>
-          <p:nvPr>
-            <p:ph type="body" sz="quarter" idx="10"/>
-          </p:nvPr>
-        </p:nvSpPr>
-        <p:spPr/>
-        <p:txBody>
-          <a:bodyPr/>
-          <a:lstStyle/>
-          <a:p>
-            <a:r>
-              <a:rPr lang="de-DE" dirty="0"/>
-              <a:t>Die ist eine Beispielfolie</a:t>
-            </a:r>
-          </a:p>
-          <a:p>
-            <a:pPr lvl="1"/>
-            <a:r>
-              <a:rPr lang="de-DE" dirty="0"/>
-              <a:t>Mit einem Beispielunterpunkt</a:t>
-            </a:r>
-          </a:p>
-          <a:p>
-            <a:pPr lvl="1"/>
-            <a:r>
-              <a:rPr lang="de-DE" dirty="0"/>
-              <a:t>Und einem weiteren</a:t>
-            </a:r>
-          </a:p>
-          <a:p>
-            <a:pPr lvl="1"/>
-            <a:r>
-              <a:rPr lang="de-DE" dirty="0"/>
-              <a:t>Und einem dritten</a:t>
-            </a:r>
-          </a:p>
-          <a:p>
-            <a:pPr lvl="2"/>
-            <a:r>
-              <a:rPr lang="de-DE" dirty="0"/>
-              <a:t>Auch dieser kann noch Unterpunkte haben</a:t>
-            </a:r>
-          </a:p>
-          <a:p>
-            <a:pPr lvl="3"/>
-            <a:r>
-              <a:rPr lang="de-DE" dirty="0"/>
-              <a:t>Oder noch mehr</a:t>
-            </a:r>
-          </a:p>
-          <a:p>
-            <a:r>
-              <a:rPr lang="de-DE" dirty="0"/>
-              <a:t>Oder wieder zurück auf Ebene 1</a:t>
-            </a:r>
-          </a:p>
-          <a:p>
-            <a:r>
-              <a:rPr lang="de-DE" dirty="0"/>
-              <a:t>Der Abstand ist hier größer</a:t>
-            </a:r>
-          </a:p>
-          <a:p>
-            <a:pPr lvl="1"/>
-            <a:r>
-              <a:rPr lang="de-DE" dirty="0"/>
-              <a:t>Als hier</a:t>
-            </a:r>
-          </a:p>
-        </p:txBody>
-      </p:sp>
-    </p:spTree>
-    <p:extLst>
-      <p:ext uri="{BB962C8B-B14F-4D97-AF65-F5344CB8AC3E}">
-        <p14:creationId xmlns:p14="http://schemas.microsoft.com/office/powerpoint/2010/main" val="615919323"/>
+        <p14:creationId xmlns:p14="http://schemas.microsoft.com/office/powerpoint/2010/main" val="2335877413"/>
       </p:ext>
     </p:extLst>
   </p:cSld>

--- a/Projektvorstellung/Poster.pptx
+++ b/Projektvorstellung/Poster.pptx
@@ -4190,7 +4190,7 @@
         </p:nvSpPr>
         <p:spPr>
           <a:xfrm>
-            <a:off x="719670" y="188640"/>
+            <a:off x="695400" y="188640"/>
             <a:ext cx="10657417" cy="360040"/>
           </a:xfrm>
         </p:spPr>
@@ -4200,15 +4200,15 @@
           <a:p>
             <a:r>
               <a:rPr lang="de-DE" sz="2000" dirty="0"/>
-              <a:t>Design, Implementation and </a:t>
+              <a:t>Design, Implementation </a:t>
             </a:r>
             <a:r>
               <a:rPr lang="de-DE" sz="2000" dirty="0" err="1"/>
-              <a:t>evaluation</a:t>
+              <a:t>and</a:t>
             </a:r>
             <a:r>
               <a:rPr lang="de-DE" sz="2000" dirty="0"/>
-              <a:t> </a:t>
+              <a:t> Evaluation </a:t>
             </a:r>
             <a:r>
               <a:rPr lang="de-DE" sz="2000" dirty="0" err="1"/>
@@ -4216,11 +4216,11 @@
             </a:r>
             <a:r>
               <a:rPr lang="de-DE" sz="2000" dirty="0"/>
-              <a:t> different </a:t>
+              <a:t> Different </a:t>
             </a:r>
             <a:r>
               <a:rPr lang="de-DE" sz="2000" dirty="0" err="1"/>
-              <a:t>strategies</a:t>
+              <a:t>Strategies</a:t>
             </a:r>
             <a:r>
               <a:rPr lang="de-DE" sz="2000" dirty="0"/>
@@ -4239,7 +4239,7 @@
             </a:r>
             <a:r>
               <a:rPr lang="de-DE" sz="2000" dirty="0" err="1"/>
-              <a:t>playing</a:t>
+              <a:t>Playing</a:t>
             </a:r>
             <a:r>
               <a:rPr lang="de-DE" sz="2000" dirty="0"/>
@@ -4247,7 +4247,7 @@
             </a:r>
             <a:r>
               <a:rPr lang="de-DE" sz="2000" dirty="0" err="1"/>
-              <a:t>battles</a:t>
+              <a:t>Battles</a:t>
             </a:r>
             <a:endParaRPr lang="en-US" sz="2000" dirty="0"/>
           </a:p>
@@ -4308,8 +4308,8 @@
           </a:sp3d>
         </p:spPr>
       </p:pic>
-      <mc:AlternateContent xmlns:mc="http://schemas.openxmlformats.org/markup-compatibility/2006" xmlns:a14="http://schemas.microsoft.com/office/drawing/2010/main">
-        <mc:Choice Requires="a14">
+      <mc:AlternateContent xmlns:mc="http://schemas.openxmlformats.org/markup-compatibility/2006">
+        <mc:Choice xmlns:a14="http://schemas.microsoft.com/office/drawing/2010/main" Requires="a14">
           <p:sp>
             <p:nvSpPr>
               <p:cNvPr id="4" name="Rechteck: abgerundete Ecken 3">
@@ -4438,7 +4438,19 @@
                         <a:rPr lang="de-DE" sz="1600" b="0" i="0" smtClean="0">
                           <a:latin typeface="Cambria Math" panose="02040503050406030204" pitchFamily="18" charset="0"/>
                         </a:rPr>
-                        <m:t>1.5</m:t>
+                        <m:t>1</m:t>
+                      </m:r>
+                      <m:r>
+                        <a:rPr lang="de-DE" sz="1600" b="0" i="0" smtClean="0">
+                          <a:latin typeface="Cambria Math" panose="02040503050406030204" pitchFamily="18" charset="0"/>
+                        </a:rPr>
+                        <m:t>,</m:t>
+                      </m:r>
+                      <m:r>
+                        <a:rPr lang="de-DE" sz="1600" b="0" i="0" smtClean="0">
+                          <a:latin typeface="Cambria Math" panose="02040503050406030204" pitchFamily="18" charset="0"/>
+                        </a:rPr>
+                        <m:t>5</m:t>
                       </m:r>
                       <m:r>
                         <a:rPr lang="de-DE" sz="1600" b="0" i="1" smtClean="0">
@@ -4490,7 +4502,7 @@
             </p:txBody>
           </p:sp>
         </mc:Choice>
-        <mc:Fallback xmlns="">
+        <mc:Fallback>
           <p:sp>
             <p:nvSpPr>
               <p:cNvPr id="4" name="Rechteck: abgerundete Ecken 3">
@@ -4529,7 +4541,7 @@
               <a:lstStyle/>
               <a:p>
                 <a:r>
-                  <a:rPr lang="en-GB">
+                  <a:rPr lang="en-DE">
                     <a:noFill/>
                   </a:rPr>
                   <a:t> </a:t>
@@ -4671,7 +4683,7 @@
             </a:r>
             <a:r>
               <a:rPr lang="en-DE" sz="1600" b="0" dirty="0"/>
-              <a:t>Elo: not evaluated</a:t>
+              <a:t>Elo: Keine Angabe</a:t>
             </a:r>
           </a:p>
           <a:p>
